--- a/specification/mustached-ninja(2).pptx
+++ b/specification/mustached-ninja(2).pptx
@@ -5,7 +5,7 @@
     <p:sldMasterId id="2147483648" r:id="rId1"/>
   </p:sldMasterIdLst>
   <p:notesMasterIdLst>
-    <p:notesMasterId r:id="rId14"/>
+    <p:notesMasterId r:id="rId15"/>
   </p:notesMasterIdLst>
   <p:sldIdLst>
     <p:sldId id="256" r:id="rId2"/>
@@ -18,8 +18,9 @@
     <p:sldId id="277" r:id="rId9"/>
     <p:sldId id="274" r:id="rId10"/>
     <p:sldId id="267" r:id="rId11"/>
-    <p:sldId id="275" r:id="rId12"/>
-    <p:sldId id="273" r:id="rId13"/>
+    <p:sldId id="278" r:id="rId12"/>
+    <p:sldId id="275" r:id="rId13"/>
+    <p:sldId id="273" r:id="rId14"/>
   </p:sldIdLst>
   <p:sldSz cx="13004800" cy="9753600"/>
   <p:notesSz cx="6858000" cy="9144000"/>
@@ -2700,7 +2701,7 @@
           </a:ln>
           <a:extLst>
             <a:ext uri="{C572A759-6A51-4108-AA02-DFA0A04FC94B}">
-              <ma14:wrappingTextBoxFlag xmlns:ma14="http://schemas.microsoft.com/office/mac/drawingml/2011/main" xmlns="" val="1"/>
+              <ma14:wrappingTextBoxFlag xmlns="" xmlns:ma14="http://schemas.microsoft.com/office/mac/drawingml/2011/main" val="1"/>
             </a:ext>
           </a:extLst>
         </p:spPr>
@@ -2751,7 +2752,7 @@
           </a:ln>
           <a:extLst>
             <a:ext uri="{C572A759-6A51-4108-AA02-DFA0A04FC94B}">
-              <ma14:wrappingTextBoxFlag xmlns:ma14="http://schemas.microsoft.com/office/mac/drawingml/2011/main" xmlns="" val="1"/>
+              <ma14:wrappingTextBoxFlag xmlns="" xmlns:ma14="http://schemas.microsoft.com/office/mac/drawingml/2011/main" val="1"/>
             </a:ext>
           </a:extLst>
         </p:spPr>
@@ -3500,7 +3501,7 @@
           </a:ln>
           <a:extLst>
             <a:ext uri="{C572A759-6A51-4108-AA02-DFA0A04FC94B}">
-              <ma14:wrappingTextBoxFlag xmlns:ma14="http://schemas.microsoft.com/office/mac/drawingml/2011/main" xmlns="" val="1"/>
+              <ma14:wrappingTextBoxFlag xmlns="" xmlns:ma14="http://schemas.microsoft.com/office/mac/drawingml/2011/main" val="1"/>
             </a:ext>
           </a:extLst>
         </p:spPr>
@@ -3575,7 +3576,7 @@
           </a:ln>
           <a:extLst>
             <a:ext uri="{C572A759-6A51-4108-AA02-DFA0A04FC94B}">
-              <ma14:wrappingTextBoxFlag xmlns:ma14="http://schemas.microsoft.com/office/mac/drawingml/2011/main" xmlns="" val="1"/>
+              <ma14:wrappingTextBoxFlag xmlns="" xmlns:ma14="http://schemas.microsoft.com/office/mac/drawingml/2011/main" val="1"/>
             </a:ext>
           </a:extLst>
         </p:spPr>
@@ -3650,7 +3651,7 @@
           </a:ln>
           <a:extLst>
             <a:ext uri="{C572A759-6A51-4108-AA02-DFA0A04FC94B}">
-              <ma14:wrappingTextBoxFlag xmlns:ma14="http://schemas.microsoft.com/office/mac/drawingml/2011/main" xmlns="" val="1"/>
+              <ma14:wrappingTextBoxFlag xmlns="" xmlns:ma14="http://schemas.microsoft.com/office/mac/drawingml/2011/main" val="1"/>
             </a:ext>
           </a:extLst>
         </p:spPr>
@@ -3725,7 +3726,7 @@
           </a:ln>
           <a:extLst>
             <a:ext uri="{C572A759-6A51-4108-AA02-DFA0A04FC94B}">
-              <ma14:wrappingTextBoxFlag xmlns:ma14="http://schemas.microsoft.com/office/mac/drawingml/2011/main" xmlns="" val="1"/>
+              <ma14:wrappingTextBoxFlag xmlns="" xmlns:ma14="http://schemas.microsoft.com/office/mac/drawingml/2011/main" val="1"/>
             </a:ext>
           </a:extLst>
         </p:spPr>
@@ -3915,7 +3916,7 @@
           </a:ln>
           <a:extLst>
             <a:ext uri="{C572A759-6A51-4108-AA02-DFA0A04FC94B}">
-              <ma14:wrappingTextBoxFlag xmlns:ma14="http://schemas.microsoft.com/office/mac/drawingml/2011/main" xmlns="" val="1"/>
+              <ma14:wrappingTextBoxFlag xmlns="" xmlns:ma14="http://schemas.microsoft.com/office/mac/drawingml/2011/main" val="1"/>
             </a:ext>
           </a:extLst>
         </p:spPr>
@@ -3982,7 +3983,7 @@
           </a:ln>
           <a:extLst>
             <a:ext uri="{C572A759-6A51-4108-AA02-DFA0A04FC94B}">
-              <ma14:wrappingTextBoxFlag xmlns:ma14="http://schemas.microsoft.com/office/mac/drawingml/2011/main" xmlns="" val="1"/>
+              <ma14:wrappingTextBoxFlag xmlns="" xmlns:ma14="http://schemas.microsoft.com/office/mac/drawingml/2011/main" val="1"/>
             </a:ext>
           </a:extLst>
         </p:spPr>
@@ -4049,7 +4050,7 @@
           </a:ln>
           <a:extLst>
             <a:ext uri="{C572A759-6A51-4108-AA02-DFA0A04FC94B}">
-              <ma14:wrappingTextBoxFlag xmlns:ma14="http://schemas.microsoft.com/office/mac/drawingml/2011/main" xmlns="" val="1"/>
+              <ma14:wrappingTextBoxFlag xmlns="" xmlns:ma14="http://schemas.microsoft.com/office/mac/drawingml/2011/main" val="1"/>
             </a:ext>
           </a:extLst>
         </p:spPr>
@@ -4116,7 +4117,7 @@
           </a:ln>
           <a:extLst>
             <a:ext uri="{C572A759-6A51-4108-AA02-DFA0A04FC94B}">
-              <ma14:wrappingTextBoxFlag xmlns:ma14="http://schemas.microsoft.com/office/mac/drawingml/2011/main" xmlns="" val="1"/>
+              <ma14:wrappingTextBoxFlag xmlns="" xmlns:ma14="http://schemas.microsoft.com/office/mac/drawingml/2011/main" val="1"/>
             </a:ext>
           </a:extLst>
         </p:spPr>
@@ -4183,7 +4184,7 @@
           </a:ln>
           <a:extLst>
             <a:ext uri="{C572A759-6A51-4108-AA02-DFA0A04FC94B}">
-              <ma14:wrappingTextBoxFlag xmlns:ma14="http://schemas.microsoft.com/office/mac/drawingml/2011/main" xmlns="" val="1"/>
+              <ma14:wrappingTextBoxFlag xmlns="" xmlns:ma14="http://schemas.microsoft.com/office/mac/drawingml/2011/main" val="1"/>
             </a:ext>
           </a:extLst>
         </p:spPr>
@@ -4250,7 +4251,7 @@
           </a:ln>
           <a:extLst>
             <a:ext uri="{C572A759-6A51-4108-AA02-DFA0A04FC94B}">
-              <ma14:wrappingTextBoxFlag xmlns:ma14="http://schemas.microsoft.com/office/mac/drawingml/2011/main" xmlns="" val="1"/>
+              <ma14:wrappingTextBoxFlag xmlns="" xmlns:ma14="http://schemas.microsoft.com/office/mac/drawingml/2011/main" val="1"/>
             </a:ext>
           </a:extLst>
         </p:spPr>
@@ -4317,7 +4318,7 @@
           </a:ln>
           <a:extLst>
             <a:ext uri="{C572A759-6A51-4108-AA02-DFA0A04FC94B}">
-              <ma14:wrappingTextBoxFlag xmlns:ma14="http://schemas.microsoft.com/office/mac/drawingml/2011/main" xmlns="" val="1"/>
+              <ma14:wrappingTextBoxFlag xmlns="" xmlns:ma14="http://schemas.microsoft.com/office/mac/drawingml/2011/main" val="1"/>
             </a:ext>
           </a:extLst>
         </p:spPr>
@@ -4507,7 +4508,7 @@
           </a:ln>
           <a:extLst>
             <a:ext uri="{C572A759-6A51-4108-AA02-DFA0A04FC94B}">
-              <ma14:wrappingTextBoxFlag xmlns:ma14="http://schemas.microsoft.com/office/mac/drawingml/2011/main" xmlns="" val="1"/>
+              <ma14:wrappingTextBoxFlag xmlns="" xmlns:ma14="http://schemas.microsoft.com/office/mac/drawingml/2011/main" val="1"/>
             </a:ext>
           </a:extLst>
         </p:spPr>
@@ -4697,7 +4698,7 @@
           </a:ln>
           <a:extLst>
             <a:ext uri="{C572A759-6A51-4108-AA02-DFA0A04FC94B}">
-              <ma14:wrappingTextBoxFlag xmlns:ma14="http://schemas.microsoft.com/office/mac/drawingml/2011/main" xmlns="" val="1"/>
+              <ma14:wrappingTextBoxFlag xmlns="" xmlns:ma14="http://schemas.microsoft.com/office/mac/drawingml/2011/main" val="1"/>
             </a:ext>
           </a:extLst>
         </p:spPr>
@@ -4764,7 +4765,7 @@
           </a:ln>
           <a:extLst>
             <a:ext uri="{C572A759-6A51-4108-AA02-DFA0A04FC94B}">
-              <ma14:wrappingTextBoxFlag xmlns:ma14="http://schemas.microsoft.com/office/mac/drawingml/2011/main" xmlns="" val="1"/>
+              <ma14:wrappingTextBoxFlag xmlns="" xmlns:ma14="http://schemas.microsoft.com/office/mac/drawingml/2011/main" val="1"/>
             </a:ext>
           </a:extLst>
         </p:spPr>
@@ -4831,7 +4832,7 @@
           </a:ln>
           <a:extLst>
             <a:ext uri="{C572A759-6A51-4108-AA02-DFA0A04FC94B}">
-              <ma14:wrappingTextBoxFlag xmlns:ma14="http://schemas.microsoft.com/office/mac/drawingml/2011/main" xmlns="" val="1"/>
+              <ma14:wrappingTextBoxFlag xmlns="" xmlns:ma14="http://schemas.microsoft.com/office/mac/drawingml/2011/main" val="1"/>
             </a:ext>
           </a:extLst>
         </p:spPr>
@@ -5021,7 +5022,7 @@
           </a:ln>
           <a:extLst>
             <a:ext uri="{C572A759-6A51-4108-AA02-DFA0A04FC94B}">
-              <ma14:wrappingTextBoxFlag xmlns:ma14="http://schemas.microsoft.com/office/mac/drawingml/2011/main" xmlns="" val="1"/>
+              <ma14:wrappingTextBoxFlag xmlns="" xmlns:ma14="http://schemas.microsoft.com/office/mac/drawingml/2011/main" val="1"/>
             </a:ext>
           </a:extLst>
         </p:spPr>
@@ -5088,7 +5089,7 @@
           </a:ln>
           <a:extLst>
             <a:ext uri="{C572A759-6A51-4108-AA02-DFA0A04FC94B}">
-              <ma14:wrappingTextBoxFlag xmlns:ma14="http://schemas.microsoft.com/office/mac/drawingml/2011/main" xmlns="" val="1"/>
+              <ma14:wrappingTextBoxFlag xmlns="" xmlns:ma14="http://schemas.microsoft.com/office/mac/drawingml/2011/main" val="1"/>
             </a:ext>
           </a:extLst>
         </p:spPr>
@@ -5155,7 +5156,7 @@
           </a:ln>
           <a:extLst>
             <a:ext uri="{C572A759-6A51-4108-AA02-DFA0A04FC94B}">
-              <ma14:wrappingTextBoxFlag xmlns:ma14="http://schemas.microsoft.com/office/mac/drawingml/2011/main" xmlns="" val="1"/>
+              <ma14:wrappingTextBoxFlag xmlns="" xmlns:ma14="http://schemas.microsoft.com/office/mac/drawingml/2011/main" val="1"/>
             </a:ext>
           </a:extLst>
         </p:spPr>
@@ -5304,7 +5305,7 @@
           </a:ln>
           <a:extLst>
             <a:ext uri="{C572A759-6A51-4108-AA02-DFA0A04FC94B}">
-              <ma14:wrappingTextBoxFlag xmlns:ma14="http://schemas.microsoft.com/office/mac/drawingml/2011/main" xmlns="" val="1"/>
+              <ma14:wrappingTextBoxFlag xmlns="" xmlns:ma14="http://schemas.microsoft.com/office/mac/drawingml/2011/main" val="1"/>
             </a:ext>
           </a:extLst>
         </p:spPr>
@@ -5371,7 +5372,7 @@
           </a:ln>
           <a:extLst>
             <a:ext uri="{C572A759-6A51-4108-AA02-DFA0A04FC94B}">
-              <ma14:wrappingTextBoxFlag xmlns:ma14="http://schemas.microsoft.com/office/mac/drawingml/2011/main" xmlns="" val="1"/>
+              <ma14:wrappingTextBoxFlag xmlns="" xmlns:ma14="http://schemas.microsoft.com/office/mac/drawingml/2011/main" val="1"/>
             </a:ext>
           </a:extLst>
         </p:spPr>
@@ -5438,7 +5439,7 @@
           </a:ln>
           <a:extLst>
             <a:ext uri="{C572A759-6A51-4108-AA02-DFA0A04FC94B}">
-              <ma14:wrappingTextBoxFlag xmlns:ma14="http://schemas.microsoft.com/office/mac/drawingml/2011/main" xmlns="" val="1"/>
+              <ma14:wrappingTextBoxFlag xmlns="" xmlns:ma14="http://schemas.microsoft.com/office/mac/drawingml/2011/main" val="1"/>
             </a:ext>
           </a:extLst>
         </p:spPr>
@@ -5628,7 +5629,7 @@
           </a:ln>
           <a:extLst>
             <a:ext uri="{C572A759-6A51-4108-AA02-DFA0A04FC94B}">
-              <ma14:wrappingTextBoxFlag xmlns:ma14="http://schemas.microsoft.com/office/mac/drawingml/2011/main" xmlns="" val="1"/>
+              <ma14:wrappingTextBoxFlag xmlns="" xmlns:ma14="http://schemas.microsoft.com/office/mac/drawingml/2011/main" val="1"/>
             </a:ext>
           </a:extLst>
         </p:spPr>
@@ -5806,6 +5807,1865 @@
 </file>
 
 <file path=ppt/slides/slide11.xml><?xml version="1.0" encoding="utf-8"?>
+<p:sld xmlns:a="http://schemas.openxmlformats.org/drawingml/2006/main" xmlns:r="http://schemas.openxmlformats.org/officeDocument/2006/relationships" xmlns:p="http://schemas.openxmlformats.org/presentationml/2006/main">
+  <p:cSld>
+    <p:spTree>
+      <p:nvGrpSpPr>
+        <p:cNvPr id="1" name=""/>
+        <p:cNvGrpSpPr/>
+        <p:nvPr/>
+      </p:nvGrpSpPr>
+      <p:grpSpPr>
+        <a:xfrm>
+          <a:off x="0" y="0"/>
+          <a:ext cx="0" cy="0"/>
+          <a:chOff x="0" y="0"/>
+          <a:chExt cx="0" cy="0"/>
+        </a:xfrm>
+      </p:grpSpPr>
+      <p:sp>
+        <p:nvSpPr>
+          <p:cNvPr id="3" name="Shape 166"/>
+          <p:cNvSpPr txBox="1">
+            <a:spLocks/>
+          </p:cNvSpPr>
+          <p:nvPr/>
+        </p:nvSpPr>
+        <p:spPr>
+          <a:xfrm>
+            <a:off x="508000" y="800100"/>
+            <a:ext cx="11988800" cy="1219200"/>
+          </a:xfrm>
+          <a:prstGeom prst="rect">
+            <a:avLst/>
+          </a:prstGeom>
+          <a:ln w="12700">
+            <a:miter lim="400000"/>
+          </a:ln>
+          <a:extLst>
+            <a:ext uri="{C572A759-6A51-4108-AA02-DFA0A04FC94B}">
+              <ma14:wrappingTextBoxFlag xmlns="" xmlns:ma14="http://schemas.microsoft.com/office/mac/drawingml/2011/main" val="1"/>
+            </a:ext>
+          </a:extLst>
+        </p:spPr>
+        <p:txBody>
+          <a:bodyPr lIns="0" tIns="0" rIns="0" bIns="0" anchor="ctr">
+            <a:normAutofit/>
+          </a:bodyPr>
+          <a:lstStyle>
+            <a:lvl1pPr algn="ctr" defTabSz="584200">
+              <a:lnSpc>
+                <a:spcPct val="90000"/>
+              </a:lnSpc>
+              <a:spcBef>
+                <a:spcPts val="1600"/>
+              </a:spcBef>
+              <a:defRPr sz="7000">
+                <a:solidFill>
+                  <a:srgbClr val="87312B"/>
+                </a:solidFill>
+                <a:latin typeface="+mn-lt"/>
+                <a:ea typeface="+mn-ea"/>
+                <a:cs typeface="+mn-cs"/>
+                <a:sym typeface="Bodoni SvtyTwo ITC TT-Book"/>
+              </a:defRPr>
+            </a:lvl1pPr>
+            <a:lvl2pPr indent="228600" algn="ctr" defTabSz="584200">
+              <a:lnSpc>
+                <a:spcPct val="90000"/>
+              </a:lnSpc>
+              <a:spcBef>
+                <a:spcPts val="1600"/>
+              </a:spcBef>
+              <a:defRPr sz="7000">
+                <a:solidFill>
+                  <a:srgbClr val="D93E2B"/>
+                </a:solidFill>
+                <a:latin typeface="+mn-lt"/>
+                <a:ea typeface="+mn-ea"/>
+                <a:cs typeface="+mn-cs"/>
+                <a:sym typeface="Bodoni SvtyTwo ITC TT-Book"/>
+              </a:defRPr>
+            </a:lvl2pPr>
+            <a:lvl3pPr indent="457200" algn="ctr" defTabSz="584200">
+              <a:lnSpc>
+                <a:spcPct val="90000"/>
+              </a:lnSpc>
+              <a:spcBef>
+                <a:spcPts val="1600"/>
+              </a:spcBef>
+              <a:defRPr sz="7000">
+                <a:solidFill>
+                  <a:srgbClr val="D93E2B"/>
+                </a:solidFill>
+                <a:latin typeface="+mn-lt"/>
+                <a:ea typeface="+mn-ea"/>
+                <a:cs typeface="+mn-cs"/>
+                <a:sym typeface="Bodoni SvtyTwo ITC TT-Book"/>
+              </a:defRPr>
+            </a:lvl3pPr>
+            <a:lvl4pPr indent="685800" algn="ctr" defTabSz="584200">
+              <a:lnSpc>
+                <a:spcPct val="90000"/>
+              </a:lnSpc>
+              <a:spcBef>
+                <a:spcPts val="1600"/>
+              </a:spcBef>
+              <a:defRPr sz="7000">
+                <a:solidFill>
+                  <a:srgbClr val="D93E2B"/>
+                </a:solidFill>
+                <a:latin typeface="+mn-lt"/>
+                <a:ea typeface="+mn-ea"/>
+                <a:cs typeface="+mn-cs"/>
+                <a:sym typeface="Bodoni SvtyTwo ITC TT-Book"/>
+              </a:defRPr>
+            </a:lvl4pPr>
+            <a:lvl5pPr indent="914400" algn="ctr" defTabSz="584200">
+              <a:lnSpc>
+                <a:spcPct val="90000"/>
+              </a:lnSpc>
+              <a:spcBef>
+                <a:spcPts val="1600"/>
+              </a:spcBef>
+              <a:defRPr sz="7000">
+                <a:solidFill>
+                  <a:srgbClr val="D93E2B"/>
+                </a:solidFill>
+                <a:latin typeface="+mn-lt"/>
+                <a:ea typeface="+mn-ea"/>
+                <a:cs typeface="+mn-cs"/>
+                <a:sym typeface="Bodoni SvtyTwo ITC TT-Book"/>
+              </a:defRPr>
+            </a:lvl5pPr>
+            <a:lvl6pPr indent="1143000" algn="ctr" defTabSz="584200">
+              <a:lnSpc>
+                <a:spcPct val="90000"/>
+              </a:lnSpc>
+              <a:spcBef>
+                <a:spcPts val="1600"/>
+              </a:spcBef>
+              <a:defRPr sz="7000">
+                <a:solidFill>
+                  <a:srgbClr val="D93E2B"/>
+                </a:solidFill>
+                <a:latin typeface="+mn-lt"/>
+                <a:ea typeface="+mn-ea"/>
+                <a:cs typeface="+mn-cs"/>
+                <a:sym typeface="Bodoni SvtyTwo ITC TT-Book"/>
+              </a:defRPr>
+            </a:lvl6pPr>
+            <a:lvl7pPr indent="1371600" algn="ctr" defTabSz="584200">
+              <a:lnSpc>
+                <a:spcPct val="90000"/>
+              </a:lnSpc>
+              <a:spcBef>
+                <a:spcPts val="1600"/>
+              </a:spcBef>
+              <a:defRPr sz="7000">
+                <a:solidFill>
+                  <a:srgbClr val="D93E2B"/>
+                </a:solidFill>
+                <a:latin typeface="+mn-lt"/>
+                <a:ea typeface="+mn-ea"/>
+                <a:cs typeface="+mn-cs"/>
+                <a:sym typeface="Bodoni SvtyTwo ITC TT-Book"/>
+              </a:defRPr>
+            </a:lvl7pPr>
+            <a:lvl8pPr indent="1600200" algn="ctr" defTabSz="584200">
+              <a:lnSpc>
+                <a:spcPct val="90000"/>
+              </a:lnSpc>
+              <a:spcBef>
+                <a:spcPts val="1600"/>
+              </a:spcBef>
+              <a:defRPr sz="7000">
+                <a:solidFill>
+                  <a:srgbClr val="D93E2B"/>
+                </a:solidFill>
+                <a:latin typeface="+mn-lt"/>
+                <a:ea typeface="+mn-ea"/>
+                <a:cs typeface="+mn-cs"/>
+                <a:sym typeface="Bodoni SvtyTwo ITC TT-Book"/>
+              </a:defRPr>
+            </a:lvl8pPr>
+            <a:lvl9pPr indent="1828800" algn="ctr" defTabSz="584200">
+              <a:lnSpc>
+                <a:spcPct val="90000"/>
+              </a:lnSpc>
+              <a:spcBef>
+                <a:spcPts val="1600"/>
+              </a:spcBef>
+              <a:defRPr sz="7000">
+                <a:solidFill>
+                  <a:srgbClr val="D93E2B"/>
+                </a:solidFill>
+                <a:latin typeface="+mn-lt"/>
+                <a:ea typeface="+mn-ea"/>
+                <a:cs typeface="+mn-cs"/>
+                <a:sym typeface="Bodoni SvtyTwo ITC TT-Book"/>
+              </a:defRPr>
+            </a:lvl9pPr>
+          </a:lstStyle>
+          <a:p>
+            <a:pPr>
+              <a:defRPr sz="1800">
+                <a:solidFill>
+                  <a:srgbClr val="000000"/>
+                </a:solidFill>
+              </a:defRPr>
+            </a:pPr>
+            <a:r>
+              <a:rPr lang="ro-RO" sz="7200" dirty="0" smtClean="0">
+                <a:solidFill>
+                  <a:schemeClr val="accent5">
+                    <a:lumMod val="75000"/>
+                  </a:schemeClr>
+                </a:solidFill>
+              </a:rPr>
+              <a:t>ER Diagram</a:t>
+            </a:r>
+            <a:endParaRPr lang="ro-RO" sz="7200" dirty="0">
+              <a:solidFill>
+                <a:schemeClr val="accent5">
+                  <a:lumMod val="75000"/>
+                </a:schemeClr>
+              </a:solidFill>
+            </a:endParaRPr>
+          </a:p>
+        </p:txBody>
+      </p:sp>
+      <p:grpSp>
+        <p:nvGrpSpPr>
+          <p:cNvPr id="4" name="Group 170"/>
+          <p:cNvGrpSpPr/>
+          <p:nvPr/>
+        </p:nvGrpSpPr>
+        <p:grpSpPr>
+          <a:xfrm>
+            <a:off x="1978128" y="2942278"/>
+            <a:ext cx="1632853" cy="882433"/>
+            <a:chOff x="0" y="0"/>
+            <a:chExt cx="1632852" cy="882431"/>
+          </a:xfrm>
+        </p:grpSpPr>
+        <p:sp>
+          <p:nvSpPr>
+            <p:cNvPr id="5" name="Shape 168"/>
+            <p:cNvSpPr/>
+            <p:nvPr/>
+          </p:nvSpPr>
+          <p:spPr>
+            <a:xfrm>
+              <a:off x="-1" y="0"/>
+              <a:ext cx="1632854" cy="882432"/>
+            </a:xfrm>
+            <a:prstGeom prst="rect">
+              <a:avLst/>
+            </a:prstGeom>
+            <a:gradFill flip="none" rotWithShape="1">
+              <a:gsLst>
+                <a:gs pos="0">
+                  <a:srgbClr val="0066C1"/>
+                </a:gs>
+                <a:gs pos="100000">
+                  <a:srgbClr val="094593"/>
+                </a:gs>
+              </a:gsLst>
+              <a:lin ang="5400000" scaled="0"/>
+            </a:gradFill>
+            <a:ln w="12700" cap="flat">
+              <a:noFill/>
+              <a:miter lim="400000"/>
+            </a:ln>
+            <a:effectLst/>
+          </p:spPr>
+          <p:txBody>
+            <a:bodyPr wrap="square" lIns="0" tIns="0" rIns="0" bIns="0" numCol="1" anchor="ctr">
+              <a:noAutofit/>
+            </a:bodyPr>
+            <a:lstStyle/>
+            <a:p>
+              <a:pPr lvl="0">
+                <a:defRPr sz="1800">
+                  <a:solidFill>
+                    <a:srgbClr val="000000"/>
+                  </a:solidFill>
+                  <a:effectLst>
+                    <a:outerShdw blurRad="25400" dist="33948" dir="2700000" rotWithShape="0">
+                      <a:srgbClr val="3B3936"/>
+                    </a:outerShdw>
+                  </a:effectLst>
+                </a:defRPr>
+              </a:pPr>
+              <a:endParaRPr/>
+            </a:p>
+          </p:txBody>
+        </p:sp>
+        <p:sp>
+          <p:nvSpPr>
+            <p:cNvPr id="6" name="Shape 169"/>
+            <p:cNvSpPr/>
+            <p:nvPr/>
+          </p:nvSpPr>
+          <p:spPr>
+            <a:xfrm>
+              <a:off x="-1" y="238015"/>
+              <a:ext cx="1632854" cy="406401"/>
+            </a:xfrm>
+            <a:prstGeom prst="rect">
+              <a:avLst/>
+            </a:prstGeom>
+            <a:noFill/>
+            <a:ln w="12700" cap="flat">
+              <a:noFill/>
+              <a:miter lim="400000"/>
+            </a:ln>
+            <a:effectLst/>
+            <a:extLst>
+              <a:ext uri="{C572A759-6A51-4108-AA02-DFA0A04FC94B}">
+                <ma14:wrappingTextBoxFlag xmlns:ma14="http://schemas.microsoft.com/office/mac/drawingml/2011/main" xmlns="" val="1"/>
+              </a:ext>
+            </a:extLst>
+          </p:spPr>
+          <p:txBody>
+            <a:bodyPr wrap="square" lIns="50800" tIns="50800" rIns="50800" bIns="50800" numCol="1" anchor="ctr">
+              <a:spAutoFit/>
+            </a:bodyPr>
+            <a:lstStyle>
+              <a:lvl1pPr>
+                <a:defRPr sz="1800">
+                  <a:solidFill>
+                    <a:srgbClr val="FFFFFF"/>
+                  </a:solidFill>
+                </a:defRPr>
+              </a:lvl1pPr>
+            </a:lstStyle>
+            <a:p>
+              <a:pPr lvl="0">
+                <a:defRPr>
+                  <a:solidFill>
+                    <a:srgbClr val="000000"/>
+                  </a:solidFill>
+                </a:defRPr>
+              </a:pPr>
+              <a:r>
+                <a:rPr>
+                  <a:solidFill>
+                    <a:srgbClr val="FFFFFF"/>
+                  </a:solidFill>
+                </a:rPr>
+                <a:t>Users</a:t>
+              </a:r>
+            </a:p>
+          </p:txBody>
+        </p:sp>
+      </p:grpSp>
+      <p:grpSp>
+        <p:nvGrpSpPr>
+          <p:cNvPr id="7" name="Group 173"/>
+          <p:cNvGrpSpPr/>
+          <p:nvPr/>
+        </p:nvGrpSpPr>
+        <p:grpSpPr>
+          <a:xfrm>
+            <a:off x="1978128" y="7561788"/>
+            <a:ext cx="1632853" cy="882433"/>
+            <a:chOff x="0" y="0"/>
+            <a:chExt cx="1632852" cy="882431"/>
+          </a:xfrm>
+        </p:grpSpPr>
+        <p:sp>
+          <p:nvSpPr>
+            <p:cNvPr id="8" name="Shape 171"/>
+            <p:cNvSpPr/>
+            <p:nvPr/>
+          </p:nvSpPr>
+          <p:spPr>
+            <a:xfrm>
+              <a:off x="-1" y="0"/>
+              <a:ext cx="1632854" cy="882432"/>
+            </a:xfrm>
+            <a:prstGeom prst="rect">
+              <a:avLst/>
+            </a:prstGeom>
+            <a:gradFill flip="none" rotWithShape="1">
+              <a:gsLst>
+                <a:gs pos="0">
+                  <a:srgbClr val="0066C1"/>
+                </a:gs>
+                <a:gs pos="100000">
+                  <a:srgbClr val="094593"/>
+                </a:gs>
+              </a:gsLst>
+              <a:lin ang="5400000" scaled="0"/>
+            </a:gradFill>
+            <a:ln w="12700" cap="flat">
+              <a:noFill/>
+              <a:miter lim="400000"/>
+            </a:ln>
+            <a:effectLst/>
+          </p:spPr>
+          <p:txBody>
+            <a:bodyPr wrap="square" lIns="0" tIns="0" rIns="0" bIns="0" numCol="1" anchor="ctr">
+              <a:noAutofit/>
+            </a:bodyPr>
+            <a:lstStyle/>
+            <a:p>
+              <a:pPr lvl="0">
+                <a:defRPr sz="1800">
+                  <a:solidFill>
+                    <a:srgbClr val="000000"/>
+                  </a:solidFill>
+                  <a:effectLst>
+                    <a:outerShdw blurRad="25400" dist="33948" dir="2700000" rotWithShape="0">
+                      <a:srgbClr val="3B3936"/>
+                    </a:outerShdw>
+                  </a:effectLst>
+                </a:defRPr>
+              </a:pPr>
+              <a:endParaRPr/>
+            </a:p>
+          </p:txBody>
+        </p:sp>
+        <p:sp>
+          <p:nvSpPr>
+            <p:cNvPr id="9" name="Shape 172"/>
+            <p:cNvSpPr/>
+            <p:nvPr/>
+          </p:nvSpPr>
+          <p:spPr>
+            <a:xfrm>
+              <a:off x="-1" y="238015"/>
+              <a:ext cx="1632854" cy="406401"/>
+            </a:xfrm>
+            <a:prstGeom prst="rect">
+              <a:avLst/>
+            </a:prstGeom>
+            <a:noFill/>
+            <a:ln w="12700" cap="flat">
+              <a:noFill/>
+              <a:miter lim="400000"/>
+            </a:ln>
+            <a:effectLst/>
+            <a:extLst>
+              <a:ext uri="{C572A759-6A51-4108-AA02-DFA0A04FC94B}">
+                <ma14:wrappingTextBoxFlag xmlns:ma14="http://schemas.microsoft.com/office/mac/drawingml/2011/main" xmlns="" val="1"/>
+              </a:ext>
+            </a:extLst>
+          </p:spPr>
+          <p:txBody>
+            <a:bodyPr wrap="square" lIns="50800" tIns="50800" rIns="50800" bIns="50800" numCol="1" anchor="ctr">
+              <a:spAutoFit/>
+            </a:bodyPr>
+            <a:lstStyle>
+              <a:lvl1pPr>
+                <a:defRPr sz="1800">
+                  <a:solidFill>
+                    <a:srgbClr val="FFFFFF"/>
+                  </a:solidFill>
+                </a:defRPr>
+              </a:lvl1pPr>
+            </a:lstStyle>
+            <a:p>
+              <a:pPr lvl="0">
+                <a:defRPr>
+                  <a:solidFill>
+                    <a:srgbClr val="000000"/>
+                  </a:solidFill>
+                </a:defRPr>
+              </a:pPr>
+              <a:r>
+                <a:rPr>
+                  <a:solidFill>
+                    <a:srgbClr val="FFFFFF"/>
+                  </a:solidFill>
+                </a:rPr>
+                <a:t>Cars</a:t>
+              </a:r>
+            </a:p>
+          </p:txBody>
+        </p:sp>
+      </p:grpSp>
+      <p:grpSp>
+        <p:nvGrpSpPr>
+          <p:cNvPr id="10" name="Group 176"/>
+          <p:cNvGrpSpPr/>
+          <p:nvPr/>
+        </p:nvGrpSpPr>
+        <p:grpSpPr>
+          <a:xfrm>
+            <a:off x="9866833" y="4707623"/>
+            <a:ext cx="1632853" cy="882433"/>
+            <a:chOff x="0" y="0"/>
+            <a:chExt cx="1632852" cy="882431"/>
+          </a:xfrm>
+        </p:grpSpPr>
+        <p:sp>
+          <p:nvSpPr>
+            <p:cNvPr id="11" name="Shape 174"/>
+            <p:cNvSpPr/>
+            <p:nvPr/>
+          </p:nvSpPr>
+          <p:spPr>
+            <a:xfrm>
+              <a:off x="-1" y="0"/>
+              <a:ext cx="1632854" cy="882432"/>
+            </a:xfrm>
+            <a:prstGeom prst="rect">
+              <a:avLst/>
+            </a:prstGeom>
+            <a:gradFill flip="none" rotWithShape="1">
+              <a:gsLst>
+                <a:gs pos="0">
+                  <a:srgbClr val="0066C1"/>
+                </a:gs>
+                <a:gs pos="100000">
+                  <a:srgbClr val="094593"/>
+                </a:gs>
+              </a:gsLst>
+              <a:lin ang="5400000" scaled="0"/>
+            </a:gradFill>
+            <a:ln w="12700" cap="flat">
+              <a:noFill/>
+              <a:miter lim="400000"/>
+            </a:ln>
+            <a:effectLst/>
+          </p:spPr>
+          <p:txBody>
+            <a:bodyPr wrap="square" lIns="0" tIns="0" rIns="0" bIns="0" numCol="1" anchor="ctr">
+              <a:noAutofit/>
+            </a:bodyPr>
+            <a:lstStyle/>
+            <a:p>
+              <a:pPr lvl="0">
+                <a:defRPr sz="1800">
+                  <a:solidFill>
+                    <a:srgbClr val="000000"/>
+                  </a:solidFill>
+                  <a:effectLst>
+                    <a:outerShdw blurRad="25400" dist="33948" dir="2700000" rotWithShape="0">
+                      <a:srgbClr val="3B3936"/>
+                    </a:outerShdw>
+                  </a:effectLst>
+                </a:defRPr>
+              </a:pPr>
+              <a:endParaRPr/>
+            </a:p>
+          </p:txBody>
+        </p:sp>
+        <p:sp>
+          <p:nvSpPr>
+            <p:cNvPr id="12" name="Shape 175"/>
+            <p:cNvSpPr/>
+            <p:nvPr/>
+          </p:nvSpPr>
+          <p:spPr>
+            <a:xfrm>
+              <a:off x="-1" y="238015"/>
+              <a:ext cx="1632854" cy="406401"/>
+            </a:xfrm>
+            <a:prstGeom prst="rect">
+              <a:avLst/>
+            </a:prstGeom>
+            <a:noFill/>
+            <a:ln w="12700" cap="flat">
+              <a:noFill/>
+              <a:miter lim="400000"/>
+            </a:ln>
+            <a:effectLst/>
+            <a:extLst>
+              <a:ext uri="{C572A759-6A51-4108-AA02-DFA0A04FC94B}">
+                <ma14:wrappingTextBoxFlag xmlns:ma14="http://schemas.microsoft.com/office/mac/drawingml/2011/main" xmlns="" val="1"/>
+              </a:ext>
+            </a:extLst>
+          </p:spPr>
+          <p:txBody>
+            <a:bodyPr wrap="square" lIns="50800" tIns="50800" rIns="50800" bIns="50800" numCol="1" anchor="ctr">
+              <a:spAutoFit/>
+            </a:bodyPr>
+            <a:lstStyle>
+              <a:lvl1pPr>
+                <a:defRPr sz="1800">
+                  <a:solidFill>
+                    <a:srgbClr val="FFFFFF"/>
+                  </a:solidFill>
+                </a:defRPr>
+              </a:lvl1pPr>
+            </a:lstStyle>
+            <a:p>
+              <a:pPr lvl="0">
+                <a:defRPr>
+                  <a:solidFill>
+                    <a:srgbClr val="000000"/>
+                  </a:solidFill>
+                </a:defRPr>
+              </a:pPr>
+              <a:r>
+                <a:rPr>
+                  <a:solidFill>
+                    <a:srgbClr val="FFFFFF"/>
+                  </a:solidFill>
+                </a:rPr>
+                <a:t>Reviews</a:t>
+              </a:r>
+            </a:p>
+          </p:txBody>
+        </p:sp>
+      </p:grpSp>
+      <p:sp>
+        <p:nvSpPr>
+          <p:cNvPr id="13" name="Shape 177"/>
+          <p:cNvSpPr/>
+          <p:nvPr/>
+        </p:nvSpPr>
+        <p:spPr>
+          <a:xfrm>
+            <a:off x="3637036" y="3350340"/>
+            <a:ext cx="6229797" cy="1791639"/>
+          </a:xfrm>
+          <a:prstGeom prst="line">
+            <a:avLst/>
+          </a:prstGeom>
+          <a:ln w="25400">
+            <a:solidFill>
+              <a:srgbClr val="414141"/>
+            </a:solidFill>
+            <a:miter lim="400000"/>
+          </a:ln>
+        </p:spPr>
+        <p:txBody>
+          <a:bodyPr lIns="50800" tIns="50800" rIns="50800" bIns="50800" anchor="ctr"/>
+          <a:lstStyle/>
+          <a:p>
+            <a:pPr lvl="0" algn="l" defTabSz="457200">
+              <a:defRPr sz="1200">
+                <a:solidFill>
+                  <a:srgbClr val="000000"/>
+                </a:solidFill>
+                <a:latin typeface="Helvetica"/>
+                <a:ea typeface="Helvetica"/>
+                <a:cs typeface="Helvetica"/>
+                <a:sym typeface="Helvetica"/>
+              </a:defRPr>
+            </a:pPr>
+            <a:endParaRPr/>
+          </a:p>
+        </p:txBody>
+      </p:sp>
+      <p:sp>
+        <p:nvSpPr>
+          <p:cNvPr id="14" name="Shape 178"/>
+          <p:cNvSpPr/>
+          <p:nvPr/>
+        </p:nvSpPr>
+        <p:spPr>
+          <a:xfrm flipV="1">
+            <a:off x="3632224" y="5197272"/>
+            <a:ext cx="6239420" cy="2829741"/>
+          </a:xfrm>
+          <a:prstGeom prst="line">
+            <a:avLst/>
+          </a:prstGeom>
+          <a:ln w="25400">
+            <a:solidFill>
+              <a:srgbClr val="414141"/>
+            </a:solidFill>
+            <a:miter lim="400000"/>
+          </a:ln>
+        </p:spPr>
+        <p:txBody>
+          <a:bodyPr lIns="50800" tIns="50800" rIns="50800" bIns="50800" anchor="ctr"/>
+          <a:lstStyle/>
+          <a:p>
+            <a:pPr lvl="0" algn="l" defTabSz="457200">
+              <a:defRPr sz="1200">
+                <a:solidFill>
+                  <a:srgbClr val="000000"/>
+                </a:solidFill>
+                <a:latin typeface="Helvetica"/>
+                <a:ea typeface="Helvetica"/>
+                <a:cs typeface="Helvetica"/>
+                <a:sym typeface="Helvetica"/>
+              </a:defRPr>
+            </a:pPr>
+            <a:endParaRPr/>
+          </a:p>
+        </p:txBody>
+      </p:sp>
+      <p:sp>
+        <p:nvSpPr>
+          <p:cNvPr id="15" name="Shape 179"/>
+          <p:cNvSpPr/>
+          <p:nvPr/>
+        </p:nvSpPr>
+        <p:spPr>
+          <a:xfrm>
+            <a:off x="3683279" y="3638241"/>
+            <a:ext cx="330958" cy="406401"/>
+          </a:xfrm>
+          <a:prstGeom prst="rect">
+            <a:avLst/>
+          </a:prstGeom>
+          <a:ln w="12700">
+            <a:miter lim="400000"/>
+          </a:ln>
+          <a:extLst>
+            <a:ext uri="{C572A759-6A51-4108-AA02-DFA0A04FC94B}">
+              <ma14:wrappingTextBoxFlag xmlns:ma14="http://schemas.microsoft.com/office/mac/drawingml/2011/main" xmlns="" val="1"/>
+            </a:ext>
+          </a:extLst>
+        </p:spPr>
+        <p:txBody>
+          <a:bodyPr wrap="none" lIns="50800" tIns="50800" rIns="50800" bIns="50800" anchor="ctr">
+            <a:spAutoFit/>
+          </a:bodyPr>
+          <a:lstStyle>
+            <a:lvl1pPr>
+              <a:defRPr sz="1800">
+                <a:solidFill>
+                  <a:srgbClr val="000000"/>
+                </a:solidFill>
+              </a:defRPr>
+            </a:lvl1pPr>
+          </a:lstStyle>
+          <a:p>
+            <a:pPr lvl="0"/>
+            <a:r>
+              <a:t>Id</a:t>
+            </a:r>
+          </a:p>
+        </p:txBody>
+      </p:sp>
+      <p:sp>
+        <p:nvSpPr>
+          <p:cNvPr id="16" name="Shape 180"/>
+          <p:cNvSpPr/>
+          <p:nvPr/>
+        </p:nvSpPr>
+        <p:spPr>
+          <a:xfrm>
+            <a:off x="9159626" y="3909809"/>
+            <a:ext cx="1016646" cy="406401"/>
+          </a:xfrm>
+          <a:prstGeom prst="rect">
+            <a:avLst/>
+          </a:prstGeom>
+          <a:ln w="12700">
+            <a:miter lim="400000"/>
+          </a:ln>
+          <a:extLst>
+            <a:ext uri="{C572A759-6A51-4108-AA02-DFA0A04FC94B}">
+              <ma14:wrappingTextBoxFlag xmlns:ma14="http://schemas.microsoft.com/office/mac/drawingml/2011/main" xmlns="" val="1"/>
+            </a:ext>
+          </a:extLst>
+        </p:spPr>
+        <p:txBody>
+          <a:bodyPr wrap="none" lIns="50800" tIns="50800" rIns="50800" bIns="50800" anchor="ctr">
+            <a:spAutoFit/>
+          </a:bodyPr>
+          <a:lstStyle>
+            <a:lvl1pPr>
+              <a:defRPr sz="1800">
+                <a:solidFill>
+                  <a:srgbClr val="000000"/>
+                </a:solidFill>
+              </a:defRPr>
+            </a:lvl1pPr>
+          </a:lstStyle>
+          <a:p>
+            <a:pPr lvl="0"/>
+            <a:r>
+              <a:t>Users_Id</a:t>
+            </a:r>
+          </a:p>
+        </p:txBody>
+      </p:sp>
+      <p:sp>
+        <p:nvSpPr>
+          <p:cNvPr id="17" name="Shape 181"/>
+          <p:cNvSpPr/>
+          <p:nvPr/>
+        </p:nvSpPr>
+        <p:spPr>
+          <a:xfrm>
+            <a:off x="3683279" y="7293735"/>
+            <a:ext cx="330958" cy="406401"/>
+          </a:xfrm>
+          <a:prstGeom prst="rect">
+            <a:avLst/>
+          </a:prstGeom>
+          <a:ln w="12700">
+            <a:miter lim="400000"/>
+          </a:ln>
+          <a:extLst>
+            <a:ext uri="{C572A759-6A51-4108-AA02-DFA0A04FC94B}">
+              <ma14:wrappingTextBoxFlag xmlns:ma14="http://schemas.microsoft.com/office/mac/drawingml/2011/main" xmlns="" val="1"/>
+            </a:ext>
+          </a:extLst>
+        </p:spPr>
+        <p:txBody>
+          <a:bodyPr wrap="none" lIns="50800" tIns="50800" rIns="50800" bIns="50800" anchor="ctr">
+            <a:spAutoFit/>
+          </a:bodyPr>
+          <a:lstStyle>
+            <a:lvl1pPr>
+              <a:defRPr sz="1800">
+                <a:solidFill>
+                  <a:srgbClr val="000000"/>
+                </a:solidFill>
+              </a:defRPr>
+            </a:lvl1pPr>
+          </a:lstStyle>
+          <a:p>
+            <a:pPr lvl="0"/>
+            <a:r>
+              <a:t>Id</a:t>
+            </a:r>
+          </a:p>
+        </p:txBody>
+      </p:sp>
+      <p:sp>
+        <p:nvSpPr>
+          <p:cNvPr id="18" name="Shape 182"/>
+          <p:cNvSpPr/>
+          <p:nvPr/>
+        </p:nvSpPr>
+        <p:spPr>
+          <a:xfrm>
+            <a:off x="8815826" y="5911110"/>
+            <a:ext cx="1171576" cy="406401"/>
+          </a:xfrm>
+          <a:prstGeom prst="rect">
+            <a:avLst/>
+          </a:prstGeom>
+          <a:ln w="12700">
+            <a:miter lim="400000"/>
+          </a:ln>
+          <a:extLst>
+            <a:ext uri="{C572A759-6A51-4108-AA02-DFA0A04FC94B}">
+              <ma14:wrappingTextBoxFlag xmlns:ma14="http://schemas.microsoft.com/office/mac/drawingml/2011/main" xmlns="" val="1"/>
+            </a:ext>
+          </a:extLst>
+        </p:spPr>
+        <p:txBody>
+          <a:bodyPr wrap="none" lIns="50800" tIns="50800" rIns="50800" bIns="50800" anchor="ctr">
+            <a:spAutoFit/>
+          </a:bodyPr>
+          <a:lstStyle>
+            <a:lvl1pPr>
+              <a:defRPr sz="1800">
+                <a:solidFill>
+                  <a:srgbClr val="000000"/>
+                </a:solidFill>
+              </a:defRPr>
+            </a:lvl1pPr>
+          </a:lstStyle>
+          <a:p>
+            <a:pPr lvl="0"/>
+            <a:r>
+              <a:t>Vehicle_Id</a:t>
+            </a:r>
+          </a:p>
+        </p:txBody>
+      </p:sp>
+      <p:sp>
+        <p:nvSpPr>
+          <p:cNvPr id="19" name="Shape 183"/>
+          <p:cNvSpPr/>
+          <p:nvPr/>
+        </p:nvSpPr>
+        <p:spPr>
+          <a:xfrm rot="1020000">
+            <a:off x="3734457" y="2822693"/>
+            <a:ext cx="228601" cy="406401"/>
+          </a:xfrm>
+          <a:prstGeom prst="rect">
+            <a:avLst/>
+          </a:prstGeom>
+          <a:ln w="12700">
+            <a:miter lim="400000"/>
+          </a:ln>
+          <a:extLst>
+            <a:ext uri="{C572A759-6A51-4108-AA02-DFA0A04FC94B}">
+              <ma14:wrappingTextBoxFlag xmlns:ma14="http://schemas.microsoft.com/office/mac/drawingml/2011/main" xmlns="" val="1"/>
+            </a:ext>
+          </a:extLst>
+        </p:spPr>
+        <p:txBody>
+          <a:bodyPr wrap="none" lIns="50800" tIns="50800" rIns="50800" bIns="50800" anchor="ctr">
+            <a:spAutoFit/>
+          </a:bodyPr>
+          <a:lstStyle>
+            <a:lvl1pPr>
+              <a:defRPr sz="1800">
+                <a:solidFill>
+                  <a:srgbClr val="000000"/>
+                </a:solidFill>
+              </a:defRPr>
+            </a:lvl1pPr>
+          </a:lstStyle>
+          <a:p>
+            <a:pPr lvl="0"/>
+            <a:r>
+              <a:rPr dirty="0"/>
+              <a:t>1</a:t>
+            </a:r>
+          </a:p>
+        </p:txBody>
+      </p:sp>
+      <p:sp>
+        <p:nvSpPr>
+          <p:cNvPr id="20" name="Shape 184"/>
+          <p:cNvSpPr/>
+          <p:nvPr/>
+        </p:nvSpPr>
+        <p:spPr>
+          <a:xfrm rot="20141360">
+            <a:off x="3823468" y="8147210"/>
+            <a:ext cx="228601" cy="406401"/>
+          </a:xfrm>
+          <a:prstGeom prst="rect">
+            <a:avLst/>
+          </a:prstGeom>
+          <a:ln w="12700">
+            <a:miter lim="400000"/>
+          </a:ln>
+          <a:extLst>
+            <a:ext uri="{C572A759-6A51-4108-AA02-DFA0A04FC94B}">
+              <ma14:wrappingTextBoxFlag xmlns:ma14="http://schemas.microsoft.com/office/mac/drawingml/2011/main" xmlns="" val="1"/>
+            </a:ext>
+          </a:extLst>
+        </p:spPr>
+        <p:txBody>
+          <a:bodyPr wrap="none" lIns="50800" tIns="50800" rIns="50800" bIns="50800" anchor="ctr">
+            <a:spAutoFit/>
+          </a:bodyPr>
+          <a:lstStyle>
+            <a:lvl1pPr>
+              <a:defRPr sz="1800">
+                <a:solidFill>
+                  <a:srgbClr val="000000"/>
+                </a:solidFill>
+              </a:defRPr>
+            </a:lvl1pPr>
+          </a:lstStyle>
+          <a:p>
+            <a:pPr lvl="0"/>
+            <a:r>
+              <a:t>1</a:t>
+            </a:r>
+          </a:p>
+        </p:txBody>
+      </p:sp>
+      <p:sp>
+        <p:nvSpPr>
+          <p:cNvPr id="21" name="Shape 185"/>
+          <p:cNvSpPr/>
+          <p:nvPr/>
+        </p:nvSpPr>
+        <p:spPr>
+          <a:xfrm rot="1020000">
+            <a:off x="9515809" y="4547501"/>
+            <a:ext cx="304280" cy="406401"/>
+          </a:xfrm>
+          <a:prstGeom prst="rect">
+            <a:avLst/>
+          </a:prstGeom>
+          <a:ln w="12700">
+            <a:miter lim="400000"/>
+          </a:ln>
+          <a:extLst>
+            <a:ext uri="{C572A759-6A51-4108-AA02-DFA0A04FC94B}">
+              <ma14:wrappingTextBoxFlag xmlns:ma14="http://schemas.microsoft.com/office/mac/drawingml/2011/main" xmlns="" val="1"/>
+            </a:ext>
+          </a:extLst>
+        </p:spPr>
+        <p:txBody>
+          <a:bodyPr wrap="none" lIns="50800" tIns="50800" rIns="50800" bIns="50800" anchor="ctr">
+            <a:spAutoFit/>
+          </a:bodyPr>
+          <a:lstStyle>
+            <a:lvl1pPr>
+              <a:defRPr sz="1800">
+                <a:solidFill>
+                  <a:srgbClr val="000000"/>
+                </a:solidFill>
+              </a:defRPr>
+            </a:lvl1pPr>
+          </a:lstStyle>
+          <a:p>
+            <a:pPr lvl="0"/>
+            <a:r>
+              <a:rPr dirty="0"/>
+              <a:t>N</a:t>
+            </a:r>
+          </a:p>
+        </p:txBody>
+      </p:sp>
+      <p:sp>
+        <p:nvSpPr>
+          <p:cNvPr id="22" name="Shape 186"/>
+          <p:cNvSpPr/>
+          <p:nvPr/>
+        </p:nvSpPr>
+        <p:spPr>
+          <a:xfrm rot="20141360">
+            <a:off x="9515809" y="5411469"/>
+            <a:ext cx="304280" cy="406401"/>
+          </a:xfrm>
+          <a:prstGeom prst="rect">
+            <a:avLst/>
+          </a:prstGeom>
+          <a:ln w="12700">
+            <a:miter lim="400000"/>
+          </a:ln>
+          <a:extLst>
+            <a:ext uri="{C572A759-6A51-4108-AA02-DFA0A04FC94B}">
+              <ma14:wrappingTextBoxFlag xmlns:ma14="http://schemas.microsoft.com/office/mac/drawingml/2011/main" xmlns="" val="1"/>
+            </a:ext>
+          </a:extLst>
+        </p:spPr>
+        <p:txBody>
+          <a:bodyPr wrap="none" lIns="50800" tIns="50800" rIns="50800" bIns="50800" anchor="ctr">
+            <a:spAutoFit/>
+          </a:bodyPr>
+          <a:lstStyle>
+            <a:lvl1pPr>
+              <a:defRPr sz="1800">
+                <a:solidFill>
+                  <a:srgbClr val="000000"/>
+                </a:solidFill>
+              </a:defRPr>
+            </a:lvl1pPr>
+          </a:lstStyle>
+          <a:p>
+            <a:pPr lvl="0"/>
+            <a:r>
+              <a:t>N</a:t>
+            </a:r>
+          </a:p>
+        </p:txBody>
+      </p:sp>
+      <p:grpSp>
+        <p:nvGrpSpPr>
+          <p:cNvPr id="23" name="Group 189"/>
+          <p:cNvGrpSpPr/>
+          <p:nvPr/>
+        </p:nvGrpSpPr>
+        <p:grpSpPr>
+          <a:xfrm>
+            <a:off x="5772510" y="3299992"/>
+            <a:ext cx="1981994" cy="1960307"/>
+            <a:chOff x="0" y="0"/>
+            <a:chExt cx="1981993" cy="1960306"/>
+          </a:xfrm>
+        </p:grpSpPr>
+        <p:sp>
+          <p:nvSpPr>
+            <p:cNvPr id="24" name="Shape 187"/>
+            <p:cNvSpPr/>
+            <p:nvPr/>
+          </p:nvSpPr>
+          <p:spPr>
+            <a:xfrm rot="1020000">
+              <a:off x="193534" y="199023"/>
+              <a:ext cx="1594925" cy="1562260"/>
+            </a:xfrm>
+            <a:custGeom>
+              <a:avLst/>
+              <a:gdLst/>
+              <a:ahLst/>
+              <a:cxnLst>
+                <a:cxn ang="0">
+                  <a:pos x="wd2" y="hd2"/>
+                </a:cxn>
+                <a:cxn ang="5400000">
+                  <a:pos x="wd2" y="hd2"/>
+                </a:cxn>
+                <a:cxn ang="10800000">
+                  <a:pos x="wd2" y="hd2"/>
+                </a:cxn>
+                <a:cxn ang="16200000">
+                  <a:pos x="wd2" y="hd2"/>
+                </a:cxn>
+              </a:cxnLst>
+              <a:rect l="0" t="0" r="r" b="b"/>
+              <a:pathLst>
+                <a:path w="21600" h="21600" extrusionOk="0">
+                  <a:moveTo>
+                    <a:pt x="0" y="10800"/>
+                  </a:moveTo>
+                  <a:lnTo>
+                    <a:pt x="10800" y="21600"/>
+                  </a:lnTo>
+                  <a:lnTo>
+                    <a:pt x="21600" y="10800"/>
+                  </a:lnTo>
+                  <a:lnTo>
+                    <a:pt x="10800" y="0"/>
+                  </a:lnTo>
+                  <a:close/>
+                </a:path>
+              </a:pathLst>
+            </a:custGeom>
+            <a:gradFill flip="none" rotWithShape="1">
+              <a:gsLst>
+                <a:gs pos="0">
+                  <a:srgbClr val="0066C1"/>
+                </a:gs>
+                <a:gs pos="100000">
+                  <a:srgbClr val="094593"/>
+                </a:gs>
+              </a:gsLst>
+              <a:lin ang="5400000" scaled="0"/>
+            </a:gradFill>
+            <a:ln w="12700" cap="flat">
+              <a:noFill/>
+              <a:miter lim="400000"/>
+            </a:ln>
+            <a:effectLst/>
+          </p:spPr>
+          <p:txBody>
+            <a:bodyPr wrap="square" lIns="0" tIns="0" rIns="0" bIns="0" numCol="1" anchor="ctr">
+              <a:noAutofit/>
+            </a:bodyPr>
+            <a:lstStyle/>
+            <a:p>
+              <a:pPr lvl="0">
+                <a:defRPr sz="1800">
+                  <a:solidFill>
+                    <a:srgbClr val="000000"/>
+                  </a:solidFill>
+                  <a:effectLst>
+                    <a:outerShdw blurRad="25400" dist="33948" dir="2700000" rotWithShape="0">
+                      <a:srgbClr val="3B3936"/>
+                    </a:outerShdw>
+                  </a:effectLst>
+                </a:defRPr>
+              </a:pPr>
+              <a:endParaRPr/>
+            </a:p>
+          </p:txBody>
+        </p:sp>
+        <p:sp>
+          <p:nvSpPr>
+            <p:cNvPr id="25" name="Shape 188"/>
+            <p:cNvSpPr/>
+            <p:nvPr/>
+          </p:nvSpPr>
+          <p:spPr>
+            <a:xfrm rot="1020000">
+              <a:off x="193534" y="776953"/>
+              <a:ext cx="1594925" cy="406401"/>
+            </a:xfrm>
+            <a:prstGeom prst="rect">
+              <a:avLst/>
+            </a:prstGeom>
+            <a:noFill/>
+            <a:ln w="12700" cap="flat">
+              <a:noFill/>
+              <a:miter lim="400000"/>
+            </a:ln>
+            <a:effectLst/>
+            <a:extLst>
+              <a:ext uri="{C572A759-6A51-4108-AA02-DFA0A04FC94B}">
+                <ma14:wrappingTextBoxFlag xmlns:ma14="http://schemas.microsoft.com/office/mac/drawingml/2011/main" xmlns="" val="1"/>
+              </a:ext>
+            </a:extLst>
+          </p:spPr>
+          <p:txBody>
+            <a:bodyPr wrap="square" lIns="50800" tIns="50800" rIns="50800" bIns="50800" numCol="1" anchor="ctr">
+              <a:spAutoFit/>
+            </a:bodyPr>
+            <a:lstStyle>
+              <a:lvl1pPr>
+                <a:defRPr sz="1800">
+                  <a:solidFill>
+                    <a:srgbClr val="FFFFFF"/>
+                  </a:solidFill>
+                </a:defRPr>
+              </a:lvl1pPr>
+            </a:lstStyle>
+            <a:p>
+              <a:pPr lvl="0">
+                <a:defRPr>
+                  <a:solidFill>
+                    <a:srgbClr val="000000"/>
+                  </a:solidFill>
+                </a:defRPr>
+              </a:pPr>
+              <a:r>
+                <a:rPr>
+                  <a:solidFill>
+                    <a:srgbClr val="FFFFFF"/>
+                  </a:solidFill>
+                </a:rPr>
+                <a:t>written by</a:t>
+              </a:r>
+            </a:p>
+          </p:txBody>
+        </p:sp>
+      </p:grpSp>
+      <p:grpSp>
+        <p:nvGrpSpPr>
+          <p:cNvPr id="26" name="Group 192"/>
+          <p:cNvGrpSpPr/>
+          <p:nvPr/>
+        </p:nvGrpSpPr>
+        <p:grpSpPr>
+          <a:xfrm>
+            <a:off x="5333370" y="5659013"/>
+            <a:ext cx="2204809" cy="2153862"/>
+            <a:chOff x="0" y="0"/>
+            <a:chExt cx="2204808" cy="2153861"/>
+          </a:xfrm>
+        </p:grpSpPr>
+        <p:sp>
+          <p:nvSpPr>
+            <p:cNvPr id="27" name="Shape 190"/>
+            <p:cNvSpPr/>
+            <p:nvPr/>
+          </p:nvSpPr>
+          <p:spPr>
+            <a:xfrm rot="20142001">
+              <a:off x="253239" y="278724"/>
+              <a:ext cx="1698329" cy="1596413"/>
+            </a:xfrm>
+            <a:custGeom>
+              <a:avLst/>
+              <a:gdLst/>
+              <a:ahLst/>
+              <a:cxnLst>
+                <a:cxn ang="0">
+                  <a:pos x="wd2" y="hd2"/>
+                </a:cxn>
+                <a:cxn ang="5400000">
+                  <a:pos x="wd2" y="hd2"/>
+                </a:cxn>
+                <a:cxn ang="10800000">
+                  <a:pos x="wd2" y="hd2"/>
+                </a:cxn>
+                <a:cxn ang="16200000">
+                  <a:pos x="wd2" y="hd2"/>
+                </a:cxn>
+              </a:cxnLst>
+              <a:rect l="0" t="0" r="r" b="b"/>
+              <a:pathLst>
+                <a:path w="21600" h="21600" extrusionOk="0">
+                  <a:moveTo>
+                    <a:pt x="0" y="10800"/>
+                  </a:moveTo>
+                  <a:lnTo>
+                    <a:pt x="10800" y="21600"/>
+                  </a:lnTo>
+                  <a:lnTo>
+                    <a:pt x="21600" y="10800"/>
+                  </a:lnTo>
+                  <a:lnTo>
+                    <a:pt x="10800" y="0"/>
+                  </a:lnTo>
+                  <a:close/>
+                </a:path>
+              </a:pathLst>
+            </a:custGeom>
+            <a:gradFill flip="none" rotWithShape="1">
+              <a:gsLst>
+                <a:gs pos="0">
+                  <a:srgbClr val="0066C1"/>
+                </a:gs>
+                <a:gs pos="100000">
+                  <a:srgbClr val="094593"/>
+                </a:gs>
+              </a:gsLst>
+              <a:lin ang="5400000" scaled="0"/>
+            </a:gradFill>
+            <a:ln w="12700" cap="flat">
+              <a:noFill/>
+              <a:miter lim="400000"/>
+            </a:ln>
+            <a:effectLst/>
+          </p:spPr>
+          <p:txBody>
+            <a:bodyPr wrap="square" lIns="0" tIns="0" rIns="0" bIns="0" numCol="1" anchor="ctr">
+              <a:noAutofit/>
+            </a:bodyPr>
+            <a:lstStyle/>
+            <a:p>
+              <a:pPr lvl="0">
+                <a:defRPr sz="1800">
+                  <a:solidFill>
+                    <a:srgbClr val="FFFFFF"/>
+                  </a:solidFill>
+                  <a:effectLst>
+                    <a:outerShdw blurRad="25400" dist="33948" dir="2700000" rotWithShape="0">
+                      <a:srgbClr val="3B3936"/>
+                    </a:outerShdw>
+                  </a:effectLst>
+                </a:defRPr>
+              </a:pPr>
+              <a:endParaRPr/>
+            </a:p>
+          </p:txBody>
+        </p:sp>
+        <p:sp>
+          <p:nvSpPr>
+            <p:cNvPr id="28" name="Shape 191"/>
+            <p:cNvSpPr/>
+            <p:nvPr/>
+          </p:nvSpPr>
+          <p:spPr>
+            <a:xfrm rot="20142001">
+              <a:off x="253240" y="873730"/>
+              <a:ext cx="1698328" cy="406401"/>
+            </a:xfrm>
+            <a:prstGeom prst="rect">
+              <a:avLst/>
+            </a:prstGeom>
+            <a:noFill/>
+            <a:ln w="12700" cap="flat">
+              <a:noFill/>
+              <a:miter lim="400000"/>
+            </a:ln>
+            <a:effectLst/>
+            <a:extLst>
+              <a:ext uri="{C572A759-6A51-4108-AA02-DFA0A04FC94B}">
+                <ma14:wrappingTextBoxFlag xmlns:ma14="http://schemas.microsoft.com/office/mac/drawingml/2011/main" xmlns="" val="1"/>
+              </a:ext>
+            </a:extLst>
+          </p:spPr>
+          <p:txBody>
+            <a:bodyPr wrap="square" lIns="50800" tIns="50800" rIns="50800" bIns="50800" numCol="1" anchor="ctr">
+              <a:spAutoFit/>
+            </a:bodyPr>
+            <a:lstStyle>
+              <a:lvl1pPr>
+                <a:defRPr sz="1800">
+                  <a:solidFill>
+                    <a:srgbClr val="FFFFFF"/>
+                  </a:solidFill>
+                </a:defRPr>
+              </a:lvl1pPr>
+            </a:lstStyle>
+            <a:p>
+              <a:pPr lvl="0">
+                <a:defRPr>
+                  <a:solidFill>
+                    <a:srgbClr val="000000"/>
+                  </a:solidFill>
+                </a:defRPr>
+              </a:pPr>
+              <a:r>
+                <a:rPr>
+                  <a:solidFill>
+                    <a:srgbClr val="FFFFFF"/>
+                  </a:solidFill>
+                </a:rPr>
+                <a:t>is about</a:t>
+              </a:r>
+            </a:p>
+          </p:txBody>
+        </p:sp>
+      </p:grpSp>
+      <p:sp>
+        <p:nvSpPr>
+          <p:cNvPr id="29" name="Rectangle 28"/>
+          <p:cNvSpPr/>
+          <p:nvPr/>
+        </p:nvSpPr>
+        <p:spPr>
+          <a:xfrm>
+            <a:off x="165696" y="9053264"/>
+            <a:ext cx="2223476" cy="379591"/>
+          </a:xfrm>
+          <a:prstGeom prst="rect">
+            <a:avLst/>
+          </a:prstGeom>
+          <a:solidFill>
+            <a:srgbClr val="0070C0"/>
+          </a:solidFill>
+          <a:ln w="12700" cap="flat">
+            <a:noFill/>
+            <a:miter lim="400000"/>
+          </a:ln>
+          <a:effectLst/>
+        </p:spPr>
+        <p:style>
+          <a:lnRef idx="0">
+            <a:scrgbClr r="0" g="0" b="0"/>
+          </a:lnRef>
+          <a:fillRef idx="0">
+            <a:scrgbClr r="0" g="0" b="0"/>
+          </a:fillRef>
+          <a:effectRef idx="0">
+            <a:scrgbClr r="0" g="0" b="0"/>
+          </a:effectRef>
+          <a:fontRef idx="none"/>
+        </p:style>
+        <p:txBody>
+          <a:bodyPr rot="0" spcFirstLastPara="1" vertOverflow="overflow" horzOverflow="overflow" vert="horz" wrap="square" lIns="50800" tIns="50800" rIns="50800" bIns="50800" numCol="1" spcCol="38100" rtlCol="0" anchor="ctr">
+            <a:spAutoFit/>
+          </a:bodyPr>
+          <a:lstStyle/>
+          <a:p>
+            <a:pPr marL="0" marR="0" indent="0" algn="ctr" defTabSz="584200" rtl="0" fontAlgn="auto" latinLnBrk="1" hangingPunct="0">
+              <a:lnSpc>
+                <a:spcPct val="100000"/>
+              </a:lnSpc>
+              <a:spcBef>
+                <a:spcPts val="0"/>
+              </a:spcBef>
+              <a:spcAft>
+                <a:spcPts val="0"/>
+              </a:spcAft>
+              <a:buClrTx/>
+              <a:buSzTx/>
+              <a:buFontTx/>
+              <a:buNone/>
+              <a:tabLst/>
+            </a:pPr>
+            <a:r>
+              <a:rPr kumimoji="0" lang="ro-RO" sz="1800" b="0" i="0" u="none" strike="noStrike" cap="none" spc="0" normalizeH="0" baseline="0" dirty="0" smtClean="0">
+                <a:ln>
+                  <a:noFill/>
+                </a:ln>
+                <a:solidFill>
+                  <a:srgbClr val="FFFFFF"/>
+                </a:solidFill>
+                <a:uFillTx/>
+                <a:latin typeface="Palatino"/>
+                <a:ea typeface="Palatino"/>
+                <a:cs typeface="Palatino"/>
+                <a:sym typeface="Palatino"/>
+              </a:rPr>
+              <a:t>Manufacturer</a:t>
+            </a:r>
+            <a:endParaRPr kumimoji="0" lang="ro-RO" sz="1800" b="0" i="0" u="none" strike="noStrike" cap="none" spc="0" normalizeH="0" baseline="0" dirty="0">
+              <a:ln>
+                <a:noFill/>
+              </a:ln>
+              <a:solidFill>
+                <a:srgbClr val="FFFFFF"/>
+              </a:solidFill>
+              <a:uFillTx/>
+              <a:latin typeface="Palatino"/>
+              <a:ea typeface="Palatino"/>
+              <a:cs typeface="Palatino"/>
+              <a:sym typeface="Palatino"/>
+            </a:endParaRPr>
+          </a:p>
+        </p:txBody>
+      </p:sp>
+      <p:sp>
+        <p:nvSpPr>
+          <p:cNvPr id="31" name="Rectangle 30"/>
+          <p:cNvSpPr/>
+          <p:nvPr/>
+        </p:nvSpPr>
+        <p:spPr>
+          <a:xfrm>
+            <a:off x="165696" y="6558695"/>
+            <a:ext cx="2127048" cy="379591"/>
+          </a:xfrm>
+          <a:prstGeom prst="rect">
+            <a:avLst/>
+          </a:prstGeom>
+          <a:solidFill>
+            <a:srgbClr val="0070C0"/>
+          </a:solidFill>
+          <a:ln w="12700" cap="flat">
+            <a:noFill/>
+            <a:miter lim="400000"/>
+          </a:ln>
+          <a:effectLst/>
+        </p:spPr>
+        <p:style>
+          <a:lnRef idx="0">
+            <a:scrgbClr r="0" g="0" b="0"/>
+          </a:lnRef>
+          <a:fillRef idx="0">
+            <a:scrgbClr r="0" g="0" b="0"/>
+          </a:fillRef>
+          <a:effectRef idx="0">
+            <a:scrgbClr r="0" g="0" b="0"/>
+          </a:effectRef>
+          <a:fontRef idx="none"/>
+        </p:style>
+        <p:txBody>
+          <a:bodyPr rot="0" spcFirstLastPara="1" vertOverflow="overflow" horzOverflow="overflow" vert="horz" wrap="square" lIns="50800" tIns="50800" rIns="50800" bIns="50800" numCol="1" spcCol="38100" rtlCol="0" anchor="ctr">
+            <a:spAutoFit/>
+          </a:bodyPr>
+          <a:lstStyle/>
+          <a:p>
+            <a:pPr marL="0" marR="0" indent="0" algn="ctr" defTabSz="584200" rtl="0" fontAlgn="auto" latinLnBrk="1" hangingPunct="0">
+              <a:lnSpc>
+                <a:spcPct val="100000"/>
+              </a:lnSpc>
+              <a:spcBef>
+                <a:spcPts val="0"/>
+              </a:spcBef>
+              <a:spcAft>
+                <a:spcPts val="0"/>
+              </a:spcAft>
+              <a:buClrTx/>
+              <a:buSzTx/>
+              <a:buFontTx/>
+              <a:buNone/>
+              <a:tabLst/>
+            </a:pPr>
+            <a:r>
+              <a:rPr lang="ro-RO" sz="1800" dirty="0" smtClean="0">
+                <a:solidFill>
+                  <a:srgbClr val="FFFFFF"/>
+                </a:solidFill>
+              </a:rPr>
+              <a:t>Type</a:t>
+            </a:r>
+            <a:endParaRPr kumimoji="0" lang="ro-RO" sz="1800" b="0" i="0" u="none" strike="noStrike" cap="none" spc="0" normalizeH="0" baseline="0" dirty="0">
+              <a:ln>
+                <a:noFill/>
+              </a:ln>
+              <a:solidFill>
+                <a:srgbClr val="FFFFFF"/>
+              </a:solidFill>
+              <a:uFillTx/>
+              <a:latin typeface="Palatino"/>
+              <a:ea typeface="Palatino"/>
+              <a:cs typeface="Palatino"/>
+              <a:sym typeface="Palatino"/>
+            </a:endParaRPr>
+          </a:p>
+        </p:txBody>
+      </p:sp>
+      <p:cxnSp>
+        <p:nvCxnSpPr>
+          <p:cNvPr id="1024" name="Straight Connector 1023"/>
+          <p:cNvCxnSpPr>
+            <a:stCxn id="31" idx="3"/>
+            <a:endCxn id="8" idx="0"/>
+          </p:cNvCxnSpPr>
+          <p:nvPr/>
+        </p:nvCxnSpPr>
+        <p:spPr>
+          <a:xfrm>
+            <a:off x="2292744" y="6748491"/>
+            <a:ext cx="501811" cy="813297"/>
+          </a:xfrm>
+          <a:prstGeom prst="line">
+            <a:avLst/>
+          </a:prstGeom>
+          <a:noFill/>
+          <a:ln w="25400" cap="flat">
+            <a:solidFill>
+              <a:srgbClr val="414141"/>
+            </a:solidFill>
+            <a:prstDash val="solid"/>
+            <a:miter lim="400000"/>
+          </a:ln>
+          <a:effectLst/>
+        </p:spPr>
+        <p:style>
+          <a:lnRef idx="0">
+            <a:scrgbClr r="0" g="0" b="0"/>
+          </a:lnRef>
+          <a:fillRef idx="0">
+            <a:scrgbClr r="0" g="0" b="0"/>
+          </a:fillRef>
+          <a:effectRef idx="0">
+            <a:scrgbClr r="0" g="0" b="0"/>
+          </a:effectRef>
+          <a:fontRef idx="none"/>
+        </p:style>
+      </p:cxnSp>
+      <p:cxnSp>
+        <p:nvCxnSpPr>
+          <p:cNvPr id="1027" name="Straight Connector 1026"/>
+          <p:cNvCxnSpPr/>
+          <p:nvPr/>
+        </p:nvCxnSpPr>
+        <p:spPr>
+          <a:xfrm flipV="1">
+            <a:off x="2109912" y="8444222"/>
+            <a:ext cx="182832" cy="609042"/>
+          </a:xfrm>
+          <a:prstGeom prst="line">
+            <a:avLst/>
+          </a:prstGeom>
+          <a:noFill/>
+          <a:ln w="25400" cap="flat">
+            <a:solidFill>
+              <a:srgbClr val="414141"/>
+            </a:solidFill>
+            <a:prstDash val="solid"/>
+            <a:miter lim="400000"/>
+          </a:ln>
+          <a:effectLst/>
+        </p:spPr>
+        <p:style>
+          <a:lnRef idx="0">
+            <a:scrgbClr r="0" g="0" b="0"/>
+          </a:lnRef>
+          <a:fillRef idx="0">
+            <a:scrgbClr r="0" g="0" b="0"/>
+          </a:fillRef>
+          <a:effectRef idx="0">
+            <a:scrgbClr r="0" g="0" b="0"/>
+          </a:effectRef>
+          <a:fontRef idx="none"/>
+        </p:style>
+      </p:cxnSp>
+      <p:pic>
+        <p:nvPicPr>
+          <p:cNvPr id="1028" name="Picture 3"/>
+          <p:cNvPicPr>
+            <a:picLocks noChangeAspect="1" noChangeArrowheads="1"/>
+          </p:cNvPicPr>
+          <p:nvPr/>
+        </p:nvPicPr>
+        <p:blipFill>
+          <a:blip r:embed="rId2">
+            <a:extLst>
+              <a:ext uri="{28A0092B-C50C-407E-A947-70E740481C1C}">
+                <a14:useLocalDpi xmlns:a14="http://schemas.microsoft.com/office/drawing/2010/main" val="0"/>
+              </a:ext>
+            </a:extLst>
+          </a:blip>
+          <a:srcRect/>
+          <a:stretch>
+            <a:fillRect/>
+          </a:stretch>
+        </p:blipFill>
+        <p:spPr bwMode="auto">
+          <a:xfrm>
+            <a:off x="2685976" y="7090536"/>
+            <a:ext cx="603250" cy="609600"/>
+          </a:xfrm>
+          <a:prstGeom prst="rect">
+            <a:avLst/>
+          </a:prstGeom>
+          <a:noFill/>
+          <a:ln>
+            <a:noFill/>
+          </a:ln>
+          <a:effectLst/>
+          <a:extLst>
+            <a:ext uri="{909E8E84-426E-40DD-AFC4-6F175D3DCCD1}">
+              <a14:hiddenFill xmlns:a14="http://schemas.microsoft.com/office/drawing/2010/main">
+                <a:solidFill>
+                  <a:schemeClr val="accent1"/>
+                </a:solidFill>
+              </a14:hiddenFill>
+            </a:ext>
+            <a:ext uri="{91240B29-F687-4F45-9708-019B960494DF}">
+              <a14:hiddenLine xmlns:a14="http://schemas.microsoft.com/office/drawing/2010/main" w="9525">
+                <a:solidFill>
+                  <a:schemeClr val="tx1"/>
+                </a:solidFill>
+                <a:miter lim="800000"/>
+                <a:headEnd/>
+                <a:tailEnd/>
+              </a14:hiddenLine>
+            </a:ext>
+            <a:ext uri="{AF507438-7753-43E0-B8FC-AC1667EBCBE1}">
+              <a14:hiddenEffects xmlns:a14="http://schemas.microsoft.com/office/drawing/2010/main">
+                <a:effectLst>
+                  <a:outerShdw dist="35921" dir="2700000" algn="ctr" rotWithShape="0">
+                    <a:schemeClr val="bg2"/>
+                  </a:outerShdw>
+                </a:effectLst>
+              </a14:hiddenEffects>
+            </a:ext>
+          </a:extLst>
+        </p:spPr>
+      </p:pic>
+      <p:pic>
+        <p:nvPicPr>
+          <p:cNvPr id="1029" name="Picture 4"/>
+          <p:cNvPicPr>
+            <a:picLocks noChangeAspect="1" noChangeArrowheads="1"/>
+          </p:cNvPicPr>
+          <p:nvPr/>
+        </p:nvPicPr>
+        <p:blipFill>
+          <a:blip r:embed="rId2">
+            <a:extLst>
+              <a:ext uri="{28A0092B-C50C-407E-A947-70E740481C1C}">
+                <a14:useLocalDpi xmlns:a14="http://schemas.microsoft.com/office/drawing/2010/main" val="0"/>
+              </a:ext>
+            </a:extLst>
+          </a:blip>
+          <a:srcRect/>
+          <a:stretch>
+            <a:fillRect/>
+          </a:stretch>
+        </p:blipFill>
+        <p:spPr bwMode="auto">
+          <a:xfrm>
+            <a:off x="2160795" y="6481049"/>
+            <a:ext cx="603250" cy="609600"/>
+          </a:xfrm>
+          <a:prstGeom prst="rect">
+            <a:avLst/>
+          </a:prstGeom>
+          <a:noFill/>
+          <a:ln>
+            <a:noFill/>
+          </a:ln>
+          <a:effectLst/>
+          <a:extLst>
+            <a:ext uri="{909E8E84-426E-40DD-AFC4-6F175D3DCCD1}">
+              <a14:hiddenFill xmlns:a14="http://schemas.microsoft.com/office/drawing/2010/main">
+                <a:solidFill>
+                  <a:schemeClr val="accent1"/>
+                </a:solidFill>
+              </a14:hiddenFill>
+            </a:ext>
+            <a:ext uri="{91240B29-F687-4F45-9708-019B960494DF}">
+              <a14:hiddenLine xmlns:a14="http://schemas.microsoft.com/office/drawing/2010/main" w="9525">
+                <a:solidFill>
+                  <a:schemeClr val="tx1"/>
+                </a:solidFill>
+                <a:miter lim="800000"/>
+                <a:headEnd/>
+                <a:tailEnd/>
+              </a14:hiddenLine>
+            </a:ext>
+            <a:ext uri="{AF507438-7753-43E0-B8FC-AC1667EBCBE1}">
+              <a14:hiddenEffects xmlns:a14="http://schemas.microsoft.com/office/drawing/2010/main">
+                <a:effectLst>
+                  <a:outerShdw dist="35921" dir="2700000" algn="ctr" rotWithShape="0">
+                    <a:schemeClr val="bg2"/>
+                  </a:outerShdw>
+                </a:effectLst>
+              </a14:hiddenEffects>
+            </a:ext>
+          </a:extLst>
+        </p:spPr>
+      </p:pic>
+      <p:sp>
+        <p:nvSpPr>
+          <p:cNvPr id="39" name="Shape 183"/>
+          <p:cNvSpPr/>
+          <p:nvPr/>
+        </p:nvSpPr>
+        <p:spPr>
+          <a:xfrm rot="1020000">
+            <a:off x="2295140" y="8607188"/>
+            <a:ext cx="228601" cy="406401"/>
+          </a:xfrm>
+          <a:prstGeom prst="rect">
+            <a:avLst/>
+          </a:prstGeom>
+          <a:ln w="12700">
+            <a:miter lim="400000"/>
+          </a:ln>
+          <a:extLst>
+            <a:ext uri="{C572A759-6A51-4108-AA02-DFA0A04FC94B}">
+              <ma14:wrappingTextBoxFlag xmlns:ma14="http://schemas.microsoft.com/office/mac/drawingml/2011/main" xmlns="" val="1"/>
+            </a:ext>
+          </a:extLst>
+        </p:spPr>
+        <p:txBody>
+          <a:bodyPr wrap="none" lIns="50800" tIns="50800" rIns="50800" bIns="50800" anchor="ctr">
+            <a:spAutoFit/>
+          </a:bodyPr>
+          <a:lstStyle>
+            <a:lvl1pPr>
+              <a:defRPr sz="1800">
+                <a:solidFill>
+                  <a:srgbClr val="000000"/>
+                </a:solidFill>
+              </a:defRPr>
+            </a:lvl1pPr>
+          </a:lstStyle>
+          <a:p>
+            <a:pPr lvl="0"/>
+            <a:r>
+              <a:rPr dirty="0"/>
+              <a:t>1</a:t>
+            </a:r>
+          </a:p>
+        </p:txBody>
+      </p:sp>
+      <p:pic>
+        <p:nvPicPr>
+          <p:cNvPr id="1031" name="Picture 6"/>
+          <p:cNvPicPr>
+            <a:picLocks noChangeAspect="1" noChangeArrowheads="1"/>
+          </p:cNvPicPr>
+          <p:nvPr/>
+        </p:nvPicPr>
+        <p:blipFill>
+          <a:blip r:embed="rId3">
+            <a:extLst>
+              <a:ext uri="{28A0092B-C50C-407E-A947-70E740481C1C}">
+                <a14:useLocalDpi xmlns:a14="http://schemas.microsoft.com/office/drawing/2010/main" val="0"/>
+              </a:ext>
+            </a:extLst>
+          </a:blip>
+          <a:srcRect/>
+          <a:stretch>
+            <a:fillRect/>
+          </a:stretch>
+        </p:blipFill>
+        <p:spPr bwMode="auto">
+          <a:xfrm>
+            <a:off x="1840914" y="8271498"/>
+            <a:ext cx="639762" cy="622300"/>
+          </a:xfrm>
+          <a:prstGeom prst="rect">
+            <a:avLst/>
+          </a:prstGeom>
+          <a:noFill/>
+          <a:ln>
+            <a:noFill/>
+          </a:ln>
+          <a:effectLst/>
+          <a:extLst>
+            <a:ext uri="{909E8E84-426E-40DD-AFC4-6F175D3DCCD1}">
+              <a14:hiddenFill xmlns:a14="http://schemas.microsoft.com/office/drawing/2010/main">
+                <a:solidFill>
+                  <a:schemeClr val="accent1"/>
+                </a:solidFill>
+              </a14:hiddenFill>
+            </a:ext>
+            <a:ext uri="{91240B29-F687-4F45-9708-019B960494DF}">
+              <a14:hiddenLine xmlns:a14="http://schemas.microsoft.com/office/drawing/2010/main" w="9525">
+                <a:solidFill>
+                  <a:schemeClr val="tx1"/>
+                </a:solidFill>
+                <a:miter lim="800000"/>
+                <a:headEnd/>
+                <a:tailEnd/>
+              </a14:hiddenLine>
+            </a:ext>
+            <a:ext uri="{AF507438-7753-43E0-B8FC-AC1667EBCBE1}">
+              <a14:hiddenEffects xmlns:a14="http://schemas.microsoft.com/office/drawing/2010/main">
+                <a:effectLst>
+                  <a:outerShdw dist="35921" dir="2700000" algn="ctr" rotWithShape="0">
+                    <a:schemeClr val="bg2"/>
+                  </a:outerShdw>
+                </a:effectLst>
+              </a14:hiddenEffects>
+            </a:ext>
+          </a:extLst>
+        </p:spPr>
+      </p:pic>
+    </p:spTree>
+    <p:extLst>
+      <p:ext uri="{BB962C8B-B14F-4D97-AF65-F5344CB8AC3E}">
+        <p14:creationId xmlns:p14="http://schemas.microsoft.com/office/powerpoint/2010/main" val="3908682091"/>
+      </p:ext>
+    </p:extLst>
+  </p:cSld>
+  <p:clrMapOvr>
+    <a:masterClrMapping/>
+  </p:clrMapOvr>
+  <p:transition spd="med"/>
+</p:sld>
+</file>
+
+<file path=ppt/slides/slide12.xml><?xml version="1.0" encoding="utf-8"?>
 <p:sld xmlns:a="http://schemas.openxmlformats.org/drawingml/2006/main" xmlns:r="http://schemas.openxmlformats.org/officeDocument/2006/relationships" xmlns:p="http://schemas.openxmlformats.org/presentationml/2006/main">
   <p:cSld>
     <p:spTree>
@@ -5866,7 +7726,7 @@
 </p:sld>
 </file>
 
-<file path=ppt/slides/slide12.xml><?xml version="1.0" encoding="utf-8"?>
+<file path=ppt/slides/slide13.xml><?xml version="1.0" encoding="utf-8"?>
 <p:sld xmlns:a="http://schemas.openxmlformats.org/drawingml/2006/main" xmlns:r="http://schemas.openxmlformats.org/officeDocument/2006/relationships" xmlns:p="http://schemas.openxmlformats.org/presentationml/2006/main">
   <p:cSld>
     <p:spTree>
@@ -6291,7 +8151,7 @@
           </a:ln>
           <a:extLst>
             <a:ext uri="{C572A759-6A51-4108-AA02-DFA0A04FC94B}">
-              <ma14:wrappingTextBoxFlag xmlns:ma14="http://schemas.microsoft.com/office/mac/drawingml/2011/main" xmlns="" val="1"/>
+              <ma14:wrappingTextBoxFlag xmlns="" xmlns:ma14="http://schemas.microsoft.com/office/mac/drawingml/2011/main" val="1"/>
             </a:ext>
           </a:extLst>
         </p:spPr>
@@ -6338,7 +8198,7 @@
           </a:ln>
           <a:extLst>
             <a:ext uri="{C572A759-6A51-4108-AA02-DFA0A04FC94B}">
-              <ma14:wrappingTextBoxFlag xmlns:ma14="http://schemas.microsoft.com/office/mac/drawingml/2011/main" xmlns="" val="1"/>
+              <ma14:wrappingTextBoxFlag xmlns="" xmlns:ma14="http://schemas.microsoft.com/office/mac/drawingml/2011/main" val="1"/>
             </a:ext>
           </a:extLst>
         </p:spPr>
@@ -6420,7 +8280,7 @@
           </a:ln>
           <a:extLst>
             <a:ext uri="{C572A759-6A51-4108-AA02-DFA0A04FC94B}">
-              <ma14:wrappingTextBoxFlag xmlns:ma14="http://schemas.microsoft.com/office/mac/drawingml/2011/main" xmlns="" val="1"/>
+              <ma14:wrappingTextBoxFlag xmlns="" xmlns:ma14="http://schemas.microsoft.com/office/mac/drawingml/2011/main" val="1"/>
             </a:ext>
           </a:extLst>
         </p:spPr>
@@ -6467,7 +8327,7 @@
           </a:ln>
           <a:extLst>
             <a:ext uri="{C572A759-6A51-4108-AA02-DFA0A04FC94B}">
-              <ma14:wrappingTextBoxFlag xmlns:ma14="http://schemas.microsoft.com/office/mac/drawingml/2011/main" xmlns="" val="1"/>
+              <ma14:wrappingTextBoxFlag xmlns="" xmlns:ma14="http://schemas.microsoft.com/office/mac/drawingml/2011/main" val="1"/>
             </a:ext>
           </a:extLst>
         </p:spPr>
@@ -6536,7 +8396,7 @@
           </a:ln>
           <a:extLst>
             <a:ext uri="{C572A759-6A51-4108-AA02-DFA0A04FC94B}">
-              <ma14:wrappingTextBoxFlag xmlns:ma14="http://schemas.microsoft.com/office/mac/drawingml/2011/main" xmlns="" val="1"/>
+              <ma14:wrappingTextBoxFlag xmlns="" xmlns:ma14="http://schemas.microsoft.com/office/mac/drawingml/2011/main" val="1"/>
             </a:ext>
           </a:extLst>
         </p:spPr>
@@ -6605,7 +8465,7 @@
           </a:ln>
           <a:extLst>
             <a:ext uri="{C572A759-6A51-4108-AA02-DFA0A04FC94B}">
-              <ma14:wrappingTextBoxFlag xmlns:ma14="http://schemas.microsoft.com/office/mac/drawingml/2011/main" xmlns="" val="1"/>
+              <ma14:wrappingTextBoxFlag xmlns="" xmlns:ma14="http://schemas.microsoft.com/office/mac/drawingml/2011/main" val="1"/>
             </a:ext>
           </a:extLst>
         </p:spPr>
@@ -6941,7 +8801,7 @@
               </a:defRPr>
             </a:pPr>
             <a:r>
-              <a:rPr sz="2852" b="1">
+              <a:rPr sz="2852" b="1" dirty="0">
                 <a:solidFill>
                   <a:srgbClr val="414141"/>
                 </a:solidFill>
@@ -6966,7 +8826,7 @@
               </a:defRPr>
             </a:pPr>
             <a:r>
-              <a:rPr sz="2760">
+              <a:rPr sz="2760" dirty="0">
                 <a:solidFill>
                   <a:srgbClr val="414141"/>
                 </a:solidFill>
@@ -6974,22 +8834,30 @@
               <a:t>I have always been passionate about cars. I chose to become a mechanical engineer just because I wanted to know intimate details about how the car works. </a:t>
             </a:r>
             <a:br>
-              <a:rPr sz="2760">
+              <a:rPr sz="2760" dirty="0">
                 <a:solidFill>
                   <a:srgbClr val="414141"/>
                 </a:solidFill>
               </a:rPr>
             </a:br>
             <a:r>
-              <a:rPr sz="2760">
+              <a:rPr sz="2760" dirty="0">
                 <a:solidFill>
                   <a:srgbClr val="414141"/>
                 </a:solidFill>
               </a:rPr>
-              <a:t>I need an website were I could find exciting news about the cars/car manufacturers.</a:t>
-            </a:r>
-            <a:r>
-              <a:rPr sz="2392">
+              <a:t>I need an website were I </a:t>
+            </a:r>
+            <a:r>
+              <a:rPr lang="ro-RO" sz="2760" dirty="0" smtClean="0">
+                <a:solidFill>
+                  <a:srgbClr val="414141"/>
+                </a:solidFill>
+              </a:rPr>
+              <a:t>can rate the cars that I’ve driven and browse interesting content. </a:t>
+            </a:r>
+            <a:r>
+              <a:rPr sz="2392" dirty="0">
                 <a:solidFill>
                   <a:srgbClr val="414141"/>
                 </a:solidFill>
@@ -6997,13 +8865,13 @@
               <a:t/>
             </a:r>
             <a:br>
-              <a:rPr sz="2392">
+              <a:rPr sz="2392" dirty="0">
                 <a:solidFill>
                   <a:srgbClr val="414141"/>
                 </a:solidFill>
               </a:rPr>
             </a:br>
-            <a:endParaRPr sz="2392">
+            <a:endParaRPr sz="2392" dirty="0">
               <a:solidFill>
                 <a:srgbClr val="414141"/>
               </a:solidFill>
@@ -7026,7 +8894,7 @@
               </a:defRPr>
             </a:pPr>
             <a:r>
-              <a:rPr sz="2852" b="1">
+              <a:rPr sz="2852" b="1" dirty="0">
                 <a:solidFill>
                   <a:srgbClr val="414141"/>
                 </a:solidFill>
@@ -7051,7 +8919,7 @@
               </a:defRPr>
             </a:pPr>
             <a:r>
-              <a:rPr sz="2760">
+              <a:rPr sz="2760" dirty="0">
                 <a:solidFill>
                   <a:srgbClr val="414141"/>
                 </a:solidFill>
@@ -7059,29 +8927,45 @@
               <a:t>I need a platform that could help me find a suitable car. </a:t>
             </a:r>
             <a:br>
-              <a:rPr sz="2760">
+              <a:rPr sz="2760" dirty="0">
                 <a:solidFill>
                   <a:srgbClr val="414141"/>
                 </a:solidFill>
               </a:rPr>
             </a:br>
             <a:r>
-              <a:rPr sz="2760">
+              <a:rPr sz="2760" dirty="0">
                 <a:solidFill>
                   <a:srgbClr val="414141"/>
                 </a:solidFill>
               </a:rPr>
-              <a:t>I am currently commuting from Glasgow to Stirling. </a:t>
+              <a:t>I am currently commuting from Glasgow to </a:t>
+            </a:r>
+            <a:r>
+              <a:rPr sz="2760" dirty="0" err="1">
+                <a:solidFill>
+                  <a:srgbClr val="414141"/>
+                </a:solidFill>
+              </a:rPr>
+              <a:t>Stirling</a:t>
+            </a:r>
+            <a:r>
+              <a:rPr sz="2760" dirty="0">
+                <a:solidFill>
+                  <a:srgbClr val="414141"/>
+                </a:solidFill>
+              </a:rPr>
+              <a:t>. </a:t>
             </a:r>
             <a:br>
-              <a:rPr sz="2760">
+              <a:rPr sz="2760" dirty="0">
                 <a:solidFill>
                   <a:srgbClr val="414141"/>
                 </a:solidFill>
               </a:rPr>
             </a:br>
             <a:r>
-              <a:rPr sz="2760">
+              <a:rPr sz="2760" dirty="0">
                 <a:solidFill>
                   <a:srgbClr val="414141"/>
                 </a:solidFill>
@@ -7305,7 +9189,7 @@
             <a:effectLst/>
             <a:extLst>
               <a:ext uri="{C572A759-6A51-4108-AA02-DFA0A04FC94B}">
-                <ma14:wrappingTextBoxFlag xmlns:ma14="http://schemas.microsoft.com/office/mac/drawingml/2011/main" xmlns="" val="1"/>
+                <ma14:wrappingTextBoxFlag xmlns="" xmlns:ma14="http://schemas.microsoft.com/office/mac/drawingml/2011/main" val="1"/>
               </a:ext>
             </a:extLst>
           </p:spPr>
@@ -7478,7 +9362,7 @@
             <a:effectLst/>
             <a:extLst>
               <a:ext uri="{C572A759-6A51-4108-AA02-DFA0A04FC94B}">
-                <ma14:wrappingTextBoxFlag xmlns:ma14="http://schemas.microsoft.com/office/mac/drawingml/2011/main" xmlns="" val="1"/>
+                <ma14:wrappingTextBoxFlag xmlns="" xmlns:ma14="http://schemas.microsoft.com/office/mac/drawingml/2011/main" val="1"/>
               </a:ext>
             </a:extLst>
           </p:spPr>
@@ -7661,7 +9545,7 @@
             <a:effectLst/>
             <a:extLst>
               <a:ext uri="{C572A759-6A51-4108-AA02-DFA0A04FC94B}">
-                <ma14:wrappingTextBoxFlag xmlns:ma14="http://schemas.microsoft.com/office/mac/drawingml/2011/main" xmlns="" val="1"/>
+                <ma14:wrappingTextBoxFlag xmlns="" xmlns:ma14="http://schemas.microsoft.com/office/mac/drawingml/2011/main" val="1"/>
               </a:ext>
             </a:extLst>
           </p:spPr>
@@ -7827,7 +9711,7 @@
             <a:effectLst/>
             <a:extLst>
               <a:ext uri="{C572A759-6A51-4108-AA02-DFA0A04FC94B}">
-                <ma14:wrappingTextBoxFlag xmlns:ma14="http://schemas.microsoft.com/office/mac/drawingml/2011/main" xmlns="" val="1"/>
+                <ma14:wrappingTextBoxFlag xmlns="" xmlns:ma14="http://schemas.microsoft.com/office/mac/drawingml/2011/main" val="1"/>
               </a:ext>
             </a:extLst>
           </p:spPr>
@@ -7940,7 +9824,7 @@
           </a:ln>
           <a:extLst>
             <a:ext uri="{C572A759-6A51-4108-AA02-DFA0A04FC94B}">
-              <ma14:wrappingTextBoxFlag xmlns:ma14="http://schemas.microsoft.com/office/mac/drawingml/2011/main" xmlns="" val="1"/>
+              <ma14:wrappingTextBoxFlag xmlns="" xmlns:ma14="http://schemas.microsoft.com/office/mac/drawingml/2011/main" val="1"/>
             </a:ext>
           </a:extLst>
         </p:spPr>
@@ -7988,7 +9872,7 @@
           </a:ln>
           <a:extLst>
             <a:ext uri="{C572A759-6A51-4108-AA02-DFA0A04FC94B}">
-              <ma14:wrappingTextBoxFlag xmlns:ma14="http://schemas.microsoft.com/office/mac/drawingml/2011/main" xmlns="" val="1"/>
+              <ma14:wrappingTextBoxFlag xmlns="" xmlns:ma14="http://schemas.microsoft.com/office/mac/drawingml/2011/main" val="1"/>
             </a:ext>
           </a:extLst>
         </p:spPr>
@@ -8036,7 +9920,7 @@
           </a:ln>
           <a:extLst>
             <a:ext uri="{C572A759-6A51-4108-AA02-DFA0A04FC94B}">
-              <ma14:wrappingTextBoxFlag xmlns:ma14="http://schemas.microsoft.com/office/mac/drawingml/2011/main" xmlns="" val="1"/>
+              <ma14:wrappingTextBoxFlag xmlns="" xmlns:ma14="http://schemas.microsoft.com/office/mac/drawingml/2011/main" val="1"/>
             </a:ext>
           </a:extLst>
         </p:spPr>
@@ -8090,7 +9974,7 @@
           </a:ln>
           <a:extLst>
             <a:ext uri="{C572A759-6A51-4108-AA02-DFA0A04FC94B}">
-              <ma14:wrappingTextBoxFlag xmlns:ma14="http://schemas.microsoft.com/office/mac/drawingml/2011/main" xmlns="" val="1"/>
+              <ma14:wrappingTextBoxFlag xmlns="" xmlns:ma14="http://schemas.microsoft.com/office/mac/drawingml/2011/main" val="1"/>
             </a:ext>
           </a:extLst>
         </p:spPr>
@@ -8144,7 +10028,7 @@
           </a:ln>
           <a:extLst>
             <a:ext uri="{C572A759-6A51-4108-AA02-DFA0A04FC94B}">
-              <ma14:wrappingTextBoxFlag xmlns:ma14="http://schemas.microsoft.com/office/mac/drawingml/2011/main" xmlns="" val="1"/>
+              <ma14:wrappingTextBoxFlag xmlns="" xmlns:ma14="http://schemas.microsoft.com/office/mac/drawingml/2011/main" val="1"/>
             </a:ext>
           </a:extLst>
         </p:spPr>
@@ -8198,7 +10082,7 @@
           </a:ln>
           <a:extLst>
             <a:ext uri="{C572A759-6A51-4108-AA02-DFA0A04FC94B}">
-              <ma14:wrappingTextBoxFlag xmlns:ma14="http://schemas.microsoft.com/office/mac/drawingml/2011/main" xmlns="" val="1"/>
+              <ma14:wrappingTextBoxFlag xmlns="" xmlns:ma14="http://schemas.microsoft.com/office/mac/drawingml/2011/main" val="1"/>
             </a:ext>
           </a:extLst>
         </p:spPr>
@@ -8644,7 +10528,7 @@
             <a:effectLst/>
             <a:extLst>
               <a:ext uri="{C572A759-6A51-4108-AA02-DFA0A04FC94B}">
-                <ma14:wrappingTextBoxFlag xmlns:ma14="http://schemas.microsoft.com/office/mac/drawingml/2011/main" xmlns="" val="1"/>
+                <ma14:wrappingTextBoxFlag xmlns="" xmlns:ma14="http://schemas.microsoft.com/office/mac/drawingml/2011/main" val="1"/>
               </a:ext>
             </a:extLst>
           </p:spPr>
@@ -8741,7 +10625,7 @@
           </a:ln>
           <a:extLst>
             <a:ext uri="{C572A759-6A51-4108-AA02-DFA0A04FC94B}">
-              <ma14:wrappingTextBoxFlag xmlns:ma14="http://schemas.microsoft.com/office/mac/drawingml/2011/main" xmlns="" val="1"/>
+              <ma14:wrappingTextBoxFlag xmlns="" xmlns:ma14="http://schemas.microsoft.com/office/mac/drawingml/2011/main" val="1"/>
             </a:ext>
           </a:extLst>
         </p:spPr>
